--- a/ppt/Modulo 2_Occupacion2023.pptx
+++ b/ppt/Modulo 2_Occupacion2023.pptx
@@ -292,7 +292,7 @@
               <a:pPr>
                 <a:defRPr/>
               </a:pPr>
-              <a:t>03/03/2023</a:t>
+              <a:t>13/03/2023</a:t>
             </a:fld>
             <a:endParaRPr lang="es-ES"/>
           </a:p>
@@ -5000,7 +5000,7 @@
               <a:pPr>
                 <a:defRPr/>
               </a:pPr>
-              <a:t>03/03/2023</a:t>
+              <a:t>13/03/2023</a:t>
             </a:fld>
             <a:endParaRPr lang="es-AR"/>
           </a:p>
@@ -5180,7 +5180,7 @@
               <a:pPr>
                 <a:defRPr/>
               </a:pPr>
-              <a:t>03/03/2023</a:t>
+              <a:t>13/03/2023</a:t>
             </a:fld>
             <a:endParaRPr lang="es-AR"/>
           </a:p>
@@ -5370,7 +5370,7 @@
               <a:pPr>
                 <a:defRPr/>
               </a:pPr>
-              <a:t>03/03/2023</a:t>
+              <a:t>13/03/2023</a:t>
             </a:fld>
             <a:endParaRPr lang="es-AR"/>
           </a:p>
@@ -5622,7 +5622,7 @@
               <a:pPr>
                 <a:defRPr/>
               </a:pPr>
-              <a:t>03/03/2023</a:t>
+              <a:t>13/03/2023</a:t>
             </a:fld>
             <a:endParaRPr lang="es-AR"/>
           </a:p>
@@ -5802,7 +5802,7 @@
               <a:pPr>
                 <a:defRPr/>
               </a:pPr>
-              <a:t>03/03/2023</a:t>
+              <a:t>13/03/2023</a:t>
             </a:fld>
             <a:endParaRPr lang="es-AR"/>
           </a:p>
@@ -6058,7 +6058,7 @@
               <a:pPr>
                 <a:defRPr/>
               </a:pPr>
-              <a:t>03/03/2023</a:t>
+              <a:t>13/03/2023</a:t>
             </a:fld>
             <a:endParaRPr lang="es-AR"/>
           </a:p>
@@ -6356,7 +6356,7 @@
               <a:pPr>
                 <a:defRPr/>
               </a:pPr>
-              <a:t>03/03/2023</a:t>
+              <a:t>13/03/2023</a:t>
             </a:fld>
             <a:endParaRPr lang="es-AR"/>
           </a:p>
@@ -6788,7 +6788,7 @@
               <a:pPr>
                 <a:defRPr/>
               </a:pPr>
-              <a:t>03/03/2023</a:t>
+              <a:t>13/03/2023</a:t>
             </a:fld>
             <a:endParaRPr lang="es-AR"/>
           </a:p>
@@ -6916,7 +6916,7 @@
               <a:pPr>
                 <a:defRPr/>
               </a:pPr>
-              <a:t>03/03/2023</a:t>
+              <a:t>13/03/2023</a:t>
             </a:fld>
             <a:endParaRPr lang="es-AR"/>
           </a:p>
@@ -7021,7 +7021,7 @@
               <a:pPr>
                 <a:defRPr/>
               </a:pPr>
-              <a:t>03/03/2023</a:t>
+              <a:t>13/03/2023</a:t>
             </a:fld>
             <a:endParaRPr lang="es-AR"/>
           </a:p>
@@ -7308,7 +7308,7 @@
               <a:pPr>
                 <a:defRPr/>
               </a:pPr>
-              <a:t>03/03/2023</a:t>
+              <a:t>13/03/2023</a:t>
             </a:fld>
             <a:endParaRPr lang="es-AR"/>
           </a:p>
@@ -7488,7 +7488,7 @@
               <a:pPr>
                 <a:defRPr/>
               </a:pPr>
-              <a:t>03/03/2023</a:t>
+              <a:t>13/03/2023</a:t>
             </a:fld>
             <a:endParaRPr lang="es-AR"/>
           </a:p>
@@ -7755,7 +7755,7 @@
               <a:pPr>
                 <a:defRPr/>
               </a:pPr>
-              <a:t>03/03/2023</a:t>
+              <a:t>13/03/2023</a:t>
             </a:fld>
             <a:endParaRPr lang="es-AR"/>
           </a:p>
@@ -7935,7 +7935,7 @@
               <a:pPr>
                 <a:defRPr/>
               </a:pPr>
-              <a:t>03/03/2023</a:t>
+              <a:t>13/03/2023</a:t>
             </a:fld>
             <a:endParaRPr lang="es-AR"/>
           </a:p>
@@ -8125,7 +8125,7 @@
               <a:pPr>
                 <a:defRPr/>
               </a:pPr>
-              <a:t>03/03/2023</a:t>
+              <a:t>13/03/2023</a:t>
             </a:fld>
             <a:endParaRPr lang="es-AR"/>
           </a:p>
@@ -8422,7 +8422,7 @@
               <a:pPr>
                 <a:defRPr/>
               </a:pPr>
-              <a:t>03/03/2023</a:t>
+              <a:t>13/03/2023</a:t>
             </a:fld>
             <a:endParaRPr lang="es-AR"/>
           </a:p>
@@ -8640,7 +8640,7 @@
               <a:pPr>
                 <a:defRPr/>
               </a:pPr>
-              <a:t>03/03/2023</a:t>
+              <a:t>13/03/2023</a:t>
             </a:fld>
             <a:endParaRPr lang="es-AR"/>
           </a:p>
@@ -8993,7 +8993,7 @@
               <a:pPr>
                 <a:defRPr/>
               </a:pPr>
-              <a:t>03/03/2023</a:t>
+              <a:t>13/03/2023</a:t>
             </a:fld>
             <a:endParaRPr lang="es-AR"/>
           </a:p>
@@ -9278,7 +9278,7 @@
               <a:pPr>
                 <a:defRPr/>
               </a:pPr>
-              <a:t>03/03/2023</a:t>
+              <a:t>13/03/2023</a:t>
             </a:fld>
             <a:endParaRPr lang="es-AR"/>
           </a:p>
@@ -9667,7 +9667,7 @@
               <a:pPr>
                 <a:defRPr/>
               </a:pPr>
-              <a:t>03/03/2023</a:t>
+              <a:t>13/03/2023</a:t>
             </a:fld>
             <a:endParaRPr lang="es-AR"/>
           </a:p>
@@ -9795,7 +9795,7 @@
               <a:pPr>
                 <a:defRPr/>
               </a:pPr>
-              <a:t>03/03/2023</a:t>
+              <a:t>13/03/2023</a:t>
             </a:fld>
             <a:endParaRPr lang="es-AR"/>
           </a:p>
@@ -9976,7 +9976,7 @@
               <a:pPr>
                 <a:defRPr/>
               </a:pPr>
-              <a:t>03/03/2023</a:t>
+              <a:t>13/03/2023</a:t>
             </a:fld>
             <a:endParaRPr lang="es-AR"/>
           </a:p>
@@ -10240,7 +10240,7 @@
               <a:pPr>
                 <a:defRPr/>
               </a:pPr>
-              <a:t>03/03/2023</a:t>
+              <a:t>13/03/2023</a:t>
             </a:fld>
             <a:endParaRPr lang="es-AR"/>
           </a:p>
@@ -10596,7 +10596,7 @@
               <a:pPr>
                 <a:defRPr/>
               </a:pPr>
-              <a:t>03/03/2023</a:t>
+              <a:t>13/03/2023</a:t>
             </a:fld>
             <a:endParaRPr lang="es-AR"/>
           </a:p>
@@ -10983,7 +10983,7 @@
               <a:pPr>
                 <a:defRPr/>
               </a:pPr>
-              <a:t>03/03/2023</a:t>
+              <a:t>13/03/2023</a:t>
             </a:fld>
             <a:endParaRPr lang="es-AR"/>
           </a:p>
@@ -11163,7 +11163,7 @@
               <a:pPr>
                 <a:defRPr/>
               </a:pPr>
-              <a:t>03/03/2023</a:t>
+              <a:t>13/03/2023</a:t>
             </a:fld>
             <a:endParaRPr lang="es-AR"/>
           </a:p>
@@ -11429,7 +11429,7 @@
               <a:pPr>
                 <a:defRPr/>
               </a:pPr>
-              <a:t>03/03/2023</a:t>
+              <a:t>13/03/2023</a:t>
             </a:fld>
             <a:endParaRPr lang="es-AR"/>
           </a:p>
@@ -11727,7 +11727,7 @@
               <a:pPr>
                 <a:defRPr/>
               </a:pPr>
-              <a:t>03/03/2023</a:t>
+              <a:t>13/03/2023</a:t>
             </a:fld>
             <a:endParaRPr lang="es-AR"/>
           </a:p>
@@ -12159,7 +12159,7 @@
               <a:pPr>
                 <a:defRPr/>
               </a:pPr>
-              <a:t>03/03/2023</a:t>
+              <a:t>13/03/2023</a:t>
             </a:fld>
             <a:endParaRPr lang="es-AR"/>
           </a:p>
@@ -12287,7 +12287,7 @@
               <a:pPr>
                 <a:defRPr/>
               </a:pPr>
-              <a:t>03/03/2023</a:t>
+              <a:t>13/03/2023</a:t>
             </a:fld>
             <a:endParaRPr lang="es-AR"/>
           </a:p>
@@ -12392,7 +12392,7 @@
               <a:pPr>
                 <a:defRPr/>
               </a:pPr>
-              <a:t>03/03/2023</a:t>
+              <a:t>13/03/2023</a:t>
             </a:fld>
             <a:endParaRPr lang="es-AR"/>
           </a:p>
@@ -12679,7 +12679,7 @@
               <a:pPr>
                 <a:defRPr/>
               </a:pPr>
-              <a:t>03/03/2023</a:t>
+              <a:t>13/03/2023</a:t>
             </a:fld>
             <a:endParaRPr lang="es-AR"/>
           </a:p>
@@ -12946,7 +12946,7 @@
               <a:pPr>
                 <a:defRPr/>
               </a:pPr>
-              <a:t>03/03/2023</a:t>
+              <a:t>13/03/2023</a:t>
             </a:fld>
             <a:endParaRPr lang="es-AR"/>
           </a:p>
@@ -13169,7 +13169,7 @@
               <a:pPr>
                 <a:defRPr/>
               </a:pPr>
-              <a:t>03/03/2023</a:t>
+              <a:t>13/03/2023</a:t>
             </a:fld>
             <a:endParaRPr lang="es-AR"/>
           </a:p>
@@ -13689,7 +13689,7 @@
               <a:pPr>
                 <a:defRPr/>
               </a:pPr>
-              <a:t>03/03/2023</a:t>
+              <a:t>13/03/2023</a:t>
             </a:fld>
             <a:endParaRPr lang="es-AR"/>
           </a:p>
@@ -14283,7 +14283,7 @@
               <a:pPr>
                 <a:defRPr/>
               </a:pPr>
-              <a:t>03/03/2023</a:t>
+              <a:t>13/03/2023</a:t>
             </a:fld>
             <a:endParaRPr lang="es-AR"/>
           </a:p>
@@ -16219,8 +16219,40 @@
                 <a:ea typeface="Verdana" panose="020B0604030504040204" pitchFamily="34" charset="0"/>
                 <a:cs typeface="Verdana" panose="020B0604030504040204" pitchFamily="34" charset="0"/>
               </a:rPr>
-              <a:t>Dimensiones infinitas vs. Muestras finitas</a:t>
-            </a:r>
+              <a:t>Dimensiones infinitas vs. Muestras </a:t>
+            </a:r>
+            <a:r>
+              <a:rPr lang="es-ES" sz="2400" dirty="0" smtClean="0">
+                <a:solidFill>
+                  <a:srgbClr val="636382"/>
+                </a:solidFill>
+                <a:latin typeface="Gill Sans MT" panose="020B0502020104020203" pitchFamily="34" charset="0"/>
+                <a:ea typeface="Verdana" panose="020B0604030504040204" pitchFamily="34" charset="0"/>
+                <a:cs typeface="Verdana" panose="020B0604030504040204" pitchFamily="34" charset="0"/>
+              </a:rPr>
+              <a:t>finitas</a:t>
+            </a:r>
+          </a:p>
+          <a:p>
+            <a:pPr lvl="1">
+              <a:spcBef>
+                <a:spcPts val="0"/>
+              </a:spcBef>
+              <a:spcAft>
+                <a:spcPts val="600"/>
+              </a:spcAft>
+              <a:buFont typeface="Gill Sans MT" panose="020B0502020104020203" pitchFamily="34" charset="0"/>
+              <a:buChar char="–"/>
+              <a:defRPr/>
+            </a:pPr>
+            <a:endParaRPr lang="es-ES" sz="2400" dirty="0" smtClean="0">
+              <a:solidFill>
+                <a:srgbClr val="636382"/>
+              </a:solidFill>
+              <a:latin typeface="Gill Sans MT" panose="020B0502020104020203" pitchFamily="34" charset="0"/>
+              <a:ea typeface="Verdana" panose="020B0604030504040204" pitchFamily="34" charset="0"/>
+              <a:cs typeface="Verdana" panose="020B0604030504040204" pitchFamily="34" charset="0"/>
+            </a:endParaRPr>
           </a:p>
           <a:p>
             <a:pPr>
@@ -16362,7 +16394,7 @@
         </p:nvSpPr>
         <p:spPr>
           <a:xfrm>
-            <a:off x="395536" y="980728"/>
+            <a:off x="395536" y="1268760"/>
             <a:ext cx="8352928" cy="4896544"/>
           </a:xfrm>
           <a:prstGeom prst="rect">
@@ -18245,7 +18277,7 @@
         </p:nvSpPr>
         <p:spPr>
           <a:xfrm>
-            <a:off x="323528" y="1124744"/>
+            <a:off x="323528" y="1340768"/>
             <a:ext cx="8712968" cy="4896544"/>
           </a:xfrm>
           <a:prstGeom prst="rect">
@@ -18792,8 +18824,8 @@
         </p:nvSpPr>
         <p:spPr>
           <a:xfrm>
-            <a:off x="467544" y="1124744"/>
-            <a:ext cx="7992888" cy="4896544"/>
+            <a:off x="107504" y="3672052"/>
+            <a:ext cx="8784976" cy="4896544"/>
           </a:xfrm>
           <a:prstGeom prst="rect">
             <a:avLst/>
@@ -18965,7 +18997,7 @@
               <a:defRPr/>
             </a:pPr>
             <a:r>
-              <a:rPr lang="en-US" dirty="0" smtClean="0">
+              <a:rPr lang="en-US" dirty="0" err="1" smtClean="0">
                 <a:solidFill>
                   <a:srgbClr val="636382"/>
                 </a:solidFill>
@@ -18973,10 +19005,10 @@
                 <a:ea typeface="Verdana" panose="020B0604030504040204" pitchFamily="34" charset="0"/>
                 <a:cs typeface="Verdana" panose="020B0604030504040204" pitchFamily="34" charset="0"/>
               </a:rPr>
-              <a:t>El error de </a:t>
-            </a:r>
-            <a:r>
-              <a:rPr lang="en-US" dirty="0" err="1" smtClean="0">
+              <a:t>En</a:t>
+            </a:r>
+            <a:r>
+              <a:rPr lang="en-US" dirty="0" smtClean="0">
                 <a:solidFill>
                   <a:srgbClr val="636382"/>
                 </a:solidFill>
@@ -18984,10 +19016,10 @@
                 <a:ea typeface="Verdana" panose="020B0604030504040204" pitchFamily="34" charset="0"/>
                 <a:cs typeface="Verdana" panose="020B0604030504040204" pitchFamily="34" charset="0"/>
               </a:rPr>
-              <a:t>observación</a:t>
-            </a:r>
-            <a:r>
-              <a:rPr lang="en-US" dirty="0" smtClean="0">
+              <a:t> </a:t>
+            </a:r>
+            <a:r>
+              <a:rPr lang="en-US" dirty="0" err="1" smtClean="0">
                 <a:solidFill>
                   <a:srgbClr val="636382"/>
                 </a:solidFill>
@@ -18995,10 +19027,10 @@
                 <a:ea typeface="Verdana" panose="020B0604030504040204" pitchFamily="34" charset="0"/>
                 <a:cs typeface="Verdana" panose="020B0604030504040204" pitchFamily="34" charset="0"/>
               </a:rPr>
-              <a:t> o de </a:t>
-            </a:r>
-            <a:r>
-              <a:rPr lang="en-US" dirty="0" err="1" smtClean="0">
+              <a:t>ecología</a:t>
+            </a:r>
+            <a:r>
+              <a:rPr lang="en-US" dirty="0" smtClean="0">
                 <a:solidFill>
                   <a:srgbClr val="636382"/>
                 </a:solidFill>
@@ -19006,10 +19038,10 @@
                 <a:ea typeface="Verdana" panose="020B0604030504040204" pitchFamily="34" charset="0"/>
                 <a:cs typeface="Verdana" panose="020B0604030504040204" pitchFamily="34" charset="0"/>
               </a:rPr>
-              <a:t>medición</a:t>
-            </a:r>
-            <a:r>
-              <a:rPr lang="en-US" dirty="0" smtClean="0">
+              <a:t> de </a:t>
+            </a:r>
+            <a:r>
+              <a:rPr lang="en-US" dirty="0" err="1" smtClean="0">
                 <a:solidFill>
                   <a:srgbClr val="636382"/>
                 </a:solidFill>
@@ -19017,10 +19049,10 @@
                 <a:ea typeface="Verdana" panose="020B0604030504040204" pitchFamily="34" charset="0"/>
                 <a:cs typeface="Verdana" panose="020B0604030504040204" pitchFamily="34" charset="0"/>
               </a:rPr>
-              <a:t> </a:t>
-            </a:r>
-            <a:r>
-              <a:rPr lang="en-US" dirty="0" err="1" smtClean="0">
+              <a:t>poblaciones</a:t>
+            </a:r>
+            <a:r>
+              <a:rPr lang="en-US" dirty="0" smtClean="0">
                 <a:solidFill>
                   <a:srgbClr val="636382"/>
                 </a:solidFill>
@@ -19028,10 +19060,10 @@
                 <a:ea typeface="Verdana" panose="020B0604030504040204" pitchFamily="34" charset="0"/>
                 <a:cs typeface="Verdana" panose="020B0604030504040204" pitchFamily="34" charset="0"/>
               </a:rPr>
-              <a:t>generalmente</a:t>
-            </a:r>
-            <a:r>
-              <a:rPr lang="en-US" dirty="0" smtClean="0">
+              <a:t> y </a:t>
+            </a:r>
+            <a:r>
+              <a:rPr lang="en-US" dirty="0" err="1" smtClean="0">
                 <a:solidFill>
                   <a:srgbClr val="636382"/>
                 </a:solidFill>
@@ -19039,10 +19071,10 @@
                 <a:ea typeface="Verdana" panose="020B0604030504040204" pitchFamily="34" charset="0"/>
                 <a:cs typeface="Verdana" panose="020B0604030504040204" pitchFamily="34" charset="0"/>
               </a:rPr>
-              <a:t> </a:t>
-            </a:r>
-            <a:r>
-              <a:rPr lang="en-US" dirty="0" err="1" smtClean="0">
+              <a:t>comunidades</a:t>
+            </a:r>
+            <a:r>
+              <a:rPr lang="en-US" dirty="0" smtClean="0">
                 <a:solidFill>
                   <a:srgbClr val="636382"/>
                 </a:solidFill>
@@ -19050,10 +19082,10 @@
                 <a:ea typeface="Verdana" panose="020B0604030504040204" pitchFamily="34" charset="0"/>
                 <a:cs typeface="Verdana" panose="020B0604030504040204" pitchFamily="34" charset="0"/>
               </a:rPr>
-              <a:t>es</a:t>
-            </a:r>
-            <a:r>
-              <a:rPr lang="en-US" dirty="0" smtClean="0">
+              <a:t> las </a:t>
+            </a:r>
+            <a:r>
+              <a:rPr lang="en-US" dirty="0" err="1" smtClean="0">
                 <a:solidFill>
                   <a:srgbClr val="636382"/>
                 </a:solidFill>
@@ -19061,10 +19093,10 @@
                 <a:ea typeface="Verdana" panose="020B0604030504040204" pitchFamily="34" charset="0"/>
                 <a:cs typeface="Verdana" panose="020B0604030504040204" pitchFamily="34" charset="0"/>
               </a:rPr>
-              <a:t> </a:t>
-            </a:r>
-            <a:r>
-              <a:rPr lang="en-US" dirty="0" err="1" smtClean="0">
+              <a:t>cantidades</a:t>
+            </a:r>
+            <a:r>
+              <a:rPr lang="en-US" dirty="0" smtClean="0">
                 <a:solidFill>
                   <a:srgbClr val="636382"/>
                 </a:solidFill>
@@ -19072,10 +19104,10 @@
                 <a:ea typeface="Verdana" panose="020B0604030504040204" pitchFamily="34" charset="0"/>
                 <a:cs typeface="Verdana" panose="020B0604030504040204" pitchFamily="34" charset="0"/>
               </a:rPr>
-              <a:t>tratado</a:t>
-            </a:r>
-            <a:r>
-              <a:rPr lang="en-US" dirty="0" smtClean="0">
+              <a:t> </a:t>
+            </a:r>
+            <a:r>
+              <a:rPr lang="en-US" dirty="0" err="1" smtClean="0">
                 <a:solidFill>
                   <a:srgbClr val="636382"/>
                 </a:solidFill>
@@ -19083,10 +19115,10 @@
                 <a:ea typeface="Verdana" panose="020B0604030504040204" pitchFamily="34" charset="0"/>
                 <a:cs typeface="Verdana" panose="020B0604030504040204" pitchFamily="34" charset="0"/>
               </a:rPr>
-              <a:t> </a:t>
-            </a:r>
-            <a:r>
-              <a:rPr lang="en-US" dirty="0" err="1" smtClean="0">
+              <a:t>focales</a:t>
+            </a:r>
+            <a:r>
+              <a:rPr lang="en-US" dirty="0" smtClean="0">
                 <a:solidFill>
                   <a:srgbClr val="636382"/>
                 </a:solidFill>
@@ -19094,10 +19126,10 @@
                 <a:ea typeface="Verdana" panose="020B0604030504040204" pitchFamily="34" charset="0"/>
                 <a:cs typeface="Verdana" panose="020B0604030504040204" pitchFamily="34" charset="0"/>
               </a:rPr>
-              <a:t>en</a:t>
-            </a:r>
-            <a:r>
-              <a:rPr lang="en-US" dirty="0" smtClean="0">
+              <a:t> </a:t>
+            </a:r>
+            <a:r>
+              <a:rPr lang="en-US" dirty="0" err="1" smtClean="0">
                 <a:solidFill>
                   <a:srgbClr val="636382"/>
                 </a:solidFill>
@@ -19105,10 +19137,10 @@
                 <a:ea typeface="Verdana" panose="020B0604030504040204" pitchFamily="34" charset="0"/>
                 <a:cs typeface="Verdana" panose="020B0604030504040204" pitchFamily="34" charset="0"/>
               </a:rPr>
-              <a:t> la </a:t>
-            </a:r>
-            <a:r>
-              <a:rPr lang="en-US" dirty="0" err="1" smtClean="0">
+              <a:t>como</a:t>
+            </a:r>
+            <a:r>
+              <a:rPr lang="en-US" dirty="0" smtClean="0">
                 <a:solidFill>
                   <a:srgbClr val="636382"/>
                 </a:solidFill>
@@ -19116,10 +19148,10 @@
                 <a:ea typeface="Verdana" panose="020B0604030504040204" pitchFamily="34" charset="0"/>
                 <a:cs typeface="Verdana" panose="020B0604030504040204" pitchFamily="34" charset="0"/>
               </a:rPr>
-              <a:t>estadística</a:t>
-            </a:r>
-            <a:r>
-              <a:rPr lang="en-US" dirty="0" smtClean="0">
+              <a:t> </a:t>
+            </a:r>
+            <a:r>
+              <a:rPr lang="en-US" dirty="0" err="1" smtClean="0">
                 <a:solidFill>
                   <a:srgbClr val="636382"/>
                 </a:solidFill>
@@ -19127,10 +19159,10 @@
                 <a:ea typeface="Verdana" panose="020B0604030504040204" pitchFamily="34" charset="0"/>
                 <a:cs typeface="Verdana" panose="020B0604030504040204" pitchFamily="34" charset="0"/>
               </a:rPr>
-              <a:t> </a:t>
-            </a:r>
-            <a:r>
-              <a:rPr lang="en-US" dirty="0" err="1" smtClean="0">
+              <a:t>abundancia</a:t>
+            </a:r>
+            <a:r>
+              <a:rPr lang="en-US" dirty="0" smtClean="0">
                 <a:solidFill>
                   <a:srgbClr val="636382"/>
                 </a:solidFill>
@@ -19138,10 +19170,10 @@
                 <a:ea typeface="Verdana" panose="020B0604030504040204" pitchFamily="34" charset="0"/>
                 <a:cs typeface="Verdana" panose="020B0604030504040204" pitchFamily="34" charset="0"/>
               </a:rPr>
-              <a:t>como</a:t>
-            </a:r>
-            <a:r>
-              <a:rPr lang="en-US" dirty="0" smtClean="0">
+              <a:t> o </a:t>
+            </a:r>
+            <a:r>
+              <a:rPr lang="en-US" dirty="0" err="1" smtClean="0">
                 <a:solidFill>
                   <a:srgbClr val="636382"/>
                 </a:solidFill>
@@ -19149,10 +19181,10 @@
                 <a:ea typeface="Verdana" panose="020B0604030504040204" pitchFamily="34" charset="0"/>
                 <a:cs typeface="Verdana" panose="020B0604030504040204" pitchFamily="34" charset="0"/>
               </a:rPr>
-              <a:t> </a:t>
-            </a:r>
-            <a:r>
-              <a:rPr lang="en-US" dirty="0" err="1" smtClean="0">
+              <a:t>riqueza</a:t>
+            </a:r>
+            <a:r>
+              <a:rPr lang="en-US" dirty="0" smtClean="0">
                 <a:solidFill>
                   <a:srgbClr val="636382"/>
                 </a:solidFill>
@@ -19160,10 +19192,10 @@
                 <a:ea typeface="Verdana" panose="020B0604030504040204" pitchFamily="34" charset="0"/>
                 <a:cs typeface="Verdana" panose="020B0604030504040204" pitchFamily="34" charset="0"/>
               </a:rPr>
-              <a:t>normalmente</a:t>
-            </a:r>
-            <a:r>
-              <a:rPr lang="en-US" dirty="0" smtClean="0">
+              <a:t> son </a:t>
+            </a:r>
+            <a:r>
+              <a:rPr lang="en-US" dirty="0" err="1" smtClean="0">
                 <a:solidFill>
                   <a:srgbClr val="636382"/>
                 </a:solidFill>
@@ -19171,10 +19203,10 @@
                 <a:ea typeface="Verdana" panose="020B0604030504040204" pitchFamily="34" charset="0"/>
                 <a:cs typeface="Verdana" panose="020B0604030504040204" pitchFamily="34" charset="0"/>
               </a:rPr>
-              <a:t> </a:t>
-            </a:r>
-            <a:r>
-              <a:rPr lang="en-US" dirty="0" err="1" smtClean="0">
+              <a:t>típicamente</a:t>
+            </a:r>
+            <a:r>
+              <a:rPr lang="en-US" dirty="0" smtClean="0">
                 <a:solidFill>
                   <a:srgbClr val="636382"/>
                 </a:solidFill>
@@ -19182,10 +19214,10 @@
                 <a:ea typeface="Verdana" panose="020B0604030504040204" pitchFamily="34" charset="0"/>
                 <a:cs typeface="Verdana" panose="020B0604030504040204" pitchFamily="34" charset="0"/>
               </a:rPr>
-              <a:t>distribuido</a:t>
-            </a:r>
-            <a:r>
-              <a:rPr lang="en-US" dirty="0" smtClean="0">
+              <a:t> </a:t>
+            </a:r>
+            <a:r>
+              <a:rPr lang="en-US" dirty="0" err="1" smtClean="0">
                 <a:solidFill>
                   <a:srgbClr val="636382"/>
                 </a:solidFill>
@@ -19193,7 +19225,183 @@
                 <a:ea typeface="Verdana" panose="020B0604030504040204" pitchFamily="34" charset="0"/>
                 <a:cs typeface="Verdana" panose="020B0604030504040204" pitchFamily="34" charset="0"/>
               </a:rPr>
-              <a:t> con media 0</a:t>
+              <a:t>medidas</a:t>
+            </a:r>
+            <a:r>
+              <a:rPr lang="en-US" dirty="0" smtClean="0">
+                <a:solidFill>
+                  <a:srgbClr val="636382"/>
+                </a:solidFill>
+                <a:latin typeface="Gill Sans MT" panose="020B0502020104020203" pitchFamily="34" charset="0"/>
+                <a:ea typeface="Verdana" panose="020B0604030504040204" pitchFamily="34" charset="0"/>
+                <a:cs typeface="Verdana" panose="020B0604030504040204" pitchFamily="34" charset="0"/>
+              </a:rPr>
+              <a:t> </a:t>
+            </a:r>
+            <a:r>
+              <a:rPr lang="en-US" dirty="0" err="1" smtClean="0">
+                <a:solidFill>
+                  <a:srgbClr val="636382"/>
+                </a:solidFill>
+                <a:latin typeface="Gill Sans MT" panose="020B0502020104020203" pitchFamily="34" charset="0"/>
+                <a:ea typeface="Verdana" panose="020B0604030504040204" pitchFamily="34" charset="0"/>
+                <a:cs typeface="Verdana" panose="020B0604030504040204" pitchFamily="34" charset="0"/>
+              </a:rPr>
+              <a:t>en</a:t>
+            </a:r>
+            <a:r>
+              <a:rPr lang="en-US" dirty="0" smtClean="0">
+                <a:solidFill>
+                  <a:srgbClr val="636382"/>
+                </a:solidFill>
+                <a:latin typeface="Gill Sans MT" panose="020B0502020104020203" pitchFamily="34" charset="0"/>
+                <a:ea typeface="Verdana" panose="020B0604030504040204" pitchFamily="34" charset="0"/>
+                <a:cs typeface="Verdana" panose="020B0604030504040204" pitchFamily="34" charset="0"/>
+              </a:rPr>
+              <a:t> </a:t>
+            </a:r>
+            <a:r>
+              <a:rPr lang="en-US" dirty="0" err="1" smtClean="0">
+                <a:solidFill>
+                  <a:srgbClr val="636382"/>
+                </a:solidFill>
+                <a:latin typeface="Gill Sans MT" panose="020B0502020104020203" pitchFamily="34" charset="0"/>
+                <a:ea typeface="Verdana" panose="020B0604030504040204" pitchFamily="34" charset="0"/>
+                <a:cs typeface="Verdana" panose="020B0604030504040204" pitchFamily="34" charset="0"/>
+              </a:rPr>
+              <a:t>conteos</a:t>
+            </a:r>
+            <a:r>
+              <a:rPr lang="en-US" dirty="0">
+                <a:solidFill>
+                  <a:srgbClr val="636382"/>
+                </a:solidFill>
+                <a:latin typeface="Gill Sans MT" panose="020B0502020104020203" pitchFamily="34" charset="0"/>
+                <a:ea typeface="Verdana" panose="020B0604030504040204" pitchFamily="34" charset="0"/>
+                <a:cs typeface="Verdana" panose="020B0604030504040204" pitchFamily="34" charset="0"/>
+              </a:rPr>
+              <a:t> </a:t>
+            </a:r>
+            <a:r>
+              <a:rPr lang="en-US" dirty="0" smtClean="0">
+                <a:solidFill>
+                  <a:srgbClr val="636382"/>
+                </a:solidFill>
+                <a:latin typeface="Gill Sans MT" panose="020B0502020104020203" pitchFamily="34" charset="0"/>
+                <a:ea typeface="Verdana" panose="020B0604030504040204" pitchFamily="34" charset="0"/>
+                <a:cs typeface="Verdana" panose="020B0604030504040204" pitchFamily="34" charset="0"/>
+              </a:rPr>
+              <a:t>que son </a:t>
+            </a:r>
+            <a:r>
+              <a:rPr lang="en-US" dirty="0" err="1" smtClean="0">
+                <a:solidFill>
+                  <a:srgbClr val="636382"/>
+                </a:solidFill>
+                <a:latin typeface="Gill Sans MT" panose="020B0502020104020203" pitchFamily="34" charset="0"/>
+                <a:ea typeface="Verdana" panose="020B0604030504040204" pitchFamily="34" charset="0"/>
+                <a:cs typeface="Verdana" panose="020B0604030504040204" pitchFamily="34" charset="0"/>
+              </a:rPr>
+              <a:t>menores</a:t>
+            </a:r>
+            <a:r>
+              <a:rPr lang="en-US" dirty="0" smtClean="0">
+                <a:solidFill>
+                  <a:srgbClr val="636382"/>
+                </a:solidFill>
+                <a:latin typeface="Gill Sans MT" panose="020B0502020104020203" pitchFamily="34" charset="0"/>
+                <a:ea typeface="Verdana" panose="020B0604030504040204" pitchFamily="34" charset="0"/>
+                <a:cs typeface="Verdana" panose="020B0604030504040204" pitchFamily="34" charset="0"/>
+              </a:rPr>
+              <a:t> a lo que </a:t>
+            </a:r>
+            <a:r>
+              <a:rPr lang="en-US" dirty="0" err="1" smtClean="0">
+                <a:solidFill>
+                  <a:srgbClr val="636382"/>
+                </a:solidFill>
+                <a:latin typeface="Gill Sans MT" panose="020B0502020104020203" pitchFamily="34" charset="0"/>
+                <a:ea typeface="Verdana" panose="020B0604030504040204" pitchFamily="34" charset="0"/>
+                <a:cs typeface="Verdana" panose="020B0604030504040204" pitchFamily="34" charset="0"/>
+              </a:rPr>
+              <a:t>realmente</a:t>
+            </a:r>
+            <a:r>
+              <a:rPr lang="en-US" dirty="0" smtClean="0">
+                <a:solidFill>
+                  <a:srgbClr val="636382"/>
+                </a:solidFill>
+                <a:latin typeface="Gill Sans MT" panose="020B0502020104020203" pitchFamily="34" charset="0"/>
+                <a:ea typeface="Verdana" panose="020B0604030504040204" pitchFamily="34" charset="0"/>
+                <a:cs typeface="Verdana" panose="020B0604030504040204" pitchFamily="34" charset="0"/>
+              </a:rPr>
+              <a:t> hay (</a:t>
+            </a:r>
+            <a:r>
+              <a:rPr lang="en-US" dirty="0" err="1" smtClean="0">
+                <a:solidFill>
+                  <a:srgbClr val="636382"/>
+                </a:solidFill>
+                <a:latin typeface="Gill Sans MT" panose="020B0502020104020203" pitchFamily="34" charset="0"/>
+                <a:ea typeface="Verdana" panose="020B0604030504040204" pitchFamily="34" charset="0"/>
+                <a:cs typeface="Verdana" panose="020B0604030504040204" pitchFamily="34" charset="0"/>
+              </a:rPr>
+              <a:t>nos</a:t>
+            </a:r>
+            <a:r>
+              <a:rPr lang="en-US" dirty="0" smtClean="0">
+                <a:solidFill>
+                  <a:srgbClr val="636382"/>
+                </a:solidFill>
+                <a:latin typeface="Gill Sans MT" panose="020B0502020104020203" pitchFamily="34" charset="0"/>
+                <a:ea typeface="Verdana" panose="020B0604030504040204" pitchFamily="34" charset="0"/>
+                <a:cs typeface="Verdana" panose="020B0604030504040204" pitchFamily="34" charset="0"/>
+              </a:rPr>
+              <a:t> “</a:t>
+            </a:r>
+            <a:r>
+              <a:rPr lang="en-US" dirty="0" err="1" smtClean="0">
+                <a:solidFill>
+                  <a:srgbClr val="636382"/>
+                </a:solidFill>
+                <a:latin typeface="Gill Sans MT" panose="020B0502020104020203" pitchFamily="34" charset="0"/>
+                <a:ea typeface="Verdana" panose="020B0604030504040204" pitchFamily="34" charset="0"/>
+                <a:cs typeface="Verdana" panose="020B0604030504040204" pitchFamily="34" charset="0"/>
+              </a:rPr>
+              <a:t>perdemos</a:t>
+            </a:r>
+            <a:r>
+              <a:rPr lang="en-US" dirty="0" smtClean="0">
+                <a:solidFill>
+                  <a:srgbClr val="636382"/>
+                </a:solidFill>
+                <a:latin typeface="Gill Sans MT" panose="020B0502020104020203" pitchFamily="34" charset="0"/>
+                <a:ea typeface="Verdana" panose="020B0604030504040204" pitchFamily="34" charset="0"/>
+                <a:cs typeface="Verdana" panose="020B0604030504040204" pitchFamily="34" charset="0"/>
+              </a:rPr>
+              <a:t>” </a:t>
+            </a:r>
+            <a:r>
+              <a:rPr lang="en-US" dirty="0" err="1" smtClean="0">
+                <a:solidFill>
+                  <a:srgbClr val="636382"/>
+                </a:solidFill>
+                <a:latin typeface="Gill Sans MT" panose="020B0502020104020203" pitchFamily="34" charset="0"/>
+                <a:ea typeface="Verdana" panose="020B0604030504040204" pitchFamily="34" charset="0"/>
+                <a:cs typeface="Verdana" panose="020B0604030504040204" pitchFamily="34" charset="0"/>
+              </a:rPr>
+              <a:t>individuos</a:t>
+            </a:r>
+            <a:r>
+              <a:rPr lang="en-US" dirty="0" smtClean="0">
+                <a:solidFill>
+                  <a:srgbClr val="636382"/>
+                </a:solidFill>
+                <a:latin typeface="Gill Sans MT" panose="020B0502020104020203" pitchFamily="34" charset="0"/>
+                <a:ea typeface="Verdana" panose="020B0604030504040204" pitchFamily="34" charset="0"/>
+                <a:cs typeface="Verdana" panose="020B0604030504040204" pitchFamily="34" charset="0"/>
+              </a:rPr>
+              <a:t>)</a:t>
             </a:r>
           </a:p>
           <a:p>
@@ -19206,7 +19414,7 @@
               <a:defRPr/>
             </a:pPr>
             <a:r>
-              <a:rPr lang="en-US" dirty="0" err="1" smtClean="0">
+              <a:rPr lang="en-US" dirty="0" smtClean="0">
                 <a:solidFill>
                   <a:srgbClr val="636382"/>
                 </a:solidFill>
@@ -19214,10 +19422,10 @@
                 <a:ea typeface="Verdana" panose="020B0604030504040204" pitchFamily="34" charset="0"/>
                 <a:cs typeface="Verdana" panose="020B0604030504040204" pitchFamily="34" charset="0"/>
               </a:rPr>
-              <a:t>En</a:t>
-            </a:r>
-            <a:r>
-              <a:rPr lang="en-US" dirty="0" smtClean="0">
+              <a:t>Este error </a:t>
+            </a:r>
+            <a:r>
+              <a:rPr lang="en-US" dirty="0" err="1" smtClean="0">
                 <a:solidFill>
                   <a:srgbClr val="636382"/>
                 </a:solidFill>
@@ -19225,10 +19433,10 @@
                 <a:ea typeface="Verdana" panose="020B0604030504040204" pitchFamily="34" charset="0"/>
                 <a:cs typeface="Verdana" panose="020B0604030504040204" pitchFamily="34" charset="0"/>
               </a:rPr>
-              <a:t> </a:t>
-            </a:r>
-            <a:r>
-              <a:rPr lang="en-US" dirty="0" err="1" smtClean="0">
+              <a:t>necesita</a:t>
+            </a:r>
+            <a:r>
+              <a:rPr lang="en-US" dirty="0" smtClean="0">
                 <a:solidFill>
                   <a:srgbClr val="636382"/>
                 </a:solidFill>
@@ -19236,10 +19444,10 @@
                 <a:ea typeface="Verdana" panose="020B0604030504040204" pitchFamily="34" charset="0"/>
                 <a:cs typeface="Verdana" panose="020B0604030504040204" pitchFamily="34" charset="0"/>
               </a:rPr>
-              <a:t>ecología</a:t>
-            </a:r>
-            <a:r>
-              <a:rPr lang="en-US" dirty="0" smtClean="0">
+              <a:t> </a:t>
+            </a:r>
+            <a:r>
+              <a:rPr lang="en-US" dirty="0" err="1" smtClean="0">
                 <a:solidFill>
                   <a:srgbClr val="636382"/>
                 </a:solidFill>
@@ -19247,10 +19455,10 @@
                 <a:ea typeface="Verdana" panose="020B0604030504040204" pitchFamily="34" charset="0"/>
                 <a:cs typeface="Verdana" panose="020B0604030504040204" pitchFamily="34" charset="0"/>
               </a:rPr>
-              <a:t> de </a:t>
-            </a:r>
-            <a:r>
-              <a:rPr lang="en-US" dirty="0" err="1" smtClean="0">
+              <a:t>otros</a:t>
+            </a:r>
+            <a:r>
+              <a:rPr lang="en-US" dirty="0" smtClean="0">
                 <a:solidFill>
                   <a:srgbClr val="636382"/>
                 </a:solidFill>
@@ -19258,10 +19466,10 @@
                 <a:ea typeface="Verdana" panose="020B0604030504040204" pitchFamily="34" charset="0"/>
                 <a:cs typeface="Verdana" panose="020B0604030504040204" pitchFamily="34" charset="0"/>
               </a:rPr>
-              <a:t>poblaciones</a:t>
-            </a:r>
-            <a:r>
-              <a:rPr lang="en-US" dirty="0" smtClean="0">
+              <a:t> </a:t>
+            </a:r>
+            <a:r>
+              <a:rPr lang="en-US" dirty="0" err="1" smtClean="0">
                 <a:solidFill>
                   <a:srgbClr val="636382"/>
                 </a:solidFill>
@@ -19269,10 +19477,10 @@
                 <a:ea typeface="Verdana" panose="020B0604030504040204" pitchFamily="34" charset="0"/>
                 <a:cs typeface="Verdana" panose="020B0604030504040204" pitchFamily="34" charset="0"/>
               </a:rPr>
-              <a:t> y </a:t>
-            </a:r>
-            <a:r>
-              <a:rPr lang="en-US" dirty="0" err="1" smtClean="0">
+              <a:t>tipos</a:t>
+            </a:r>
+            <a:r>
+              <a:rPr lang="en-US" dirty="0" smtClean="0">
                 <a:solidFill>
                   <a:srgbClr val="636382"/>
                 </a:solidFill>
@@ -19280,10 +19488,10 @@
                 <a:ea typeface="Verdana" panose="020B0604030504040204" pitchFamily="34" charset="0"/>
                 <a:cs typeface="Verdana" panose="020B0604030504040204" pitchFamily="34" charset="0"/>
               </a:rPr>
-              <a:t>comunidades</a:t>
-            </a:r>
-            <a:r>
-              <a:rPr lang="en-US" dirty="0" smtClean="0">
+              <a:t> de </a:t>
+            </a:r>
+            <a:r>
+              <a:rPr lang="en-US" dirty="0" err="1" smtClean="0">
                 <a:solidFill>
                   <a:srgbClr val="636382"/>
                 </a:solidFill>
@@ -19291,10 +19499,10 @@
                 <a:ea typeface="Verdana" panose="020B0604030504040204" pitchFamily="34" charset="0"/>
                 <a:cs typeface="Verdana" panose="020B0604030504040204" pitchFamily="34" charset="0"/>
               </a:rPr>
-              <a:t> las </a:t>
-            </a:r>
-            <a:r>
-              <a:rPr lang="en-US" dirty="0" err="1" smtClean="0">
+              <a:t>distribuciones</a:t>
+            </a:r>
+            <a:r>
+              <a:rPr lang="en-US" dirty="0" smtClean="0">
                 <a:solidFill>
                   <a:srgbClr val="636382"/>
                 </a:solidFill>
@@ -19302,317 +19510,62 @@
                 <a:ea typeface="Verdana" panose="020B0604030504040204" pitchFamily="34" charset="0"/>
                 <a:cs typeface="Verdana" panose="020B0604030504040204" pitchFamily="34" charset="0"/>
               </a:rPr>
-              <a:t>cantidades</a:t>
-            </a:r>
-            <a:r>
-              <a:rPr lang="en-US" dirty="0" smtClean="0">
-                <a:solidFill>
-                  <a:srgbClr val="636382"/>
-                </a:solidFill>
-                <a:latin typeface="Gill Sans MT" panose="020B0502020104020203" pitchFamily="34" charset="0"/>
-                <a:ea typeface="Verdana" panose="020B0604030504040204" pitchFamily="34" charset="0"/>
-                <a:cs typeface="Verdana" panose="020B0604030504040204" pitchFamily="34" charset="0"/>
-              </a:rPr>
               <a:t> </a:t>
             </a:r>
-            <a:r>
-              <a:rPr lang="en-US" dirty="0" err="1" smtClean="0">
-                <a:solidFill>
-                  <a:srgbClr val="636382"/>
-                </a:solidFill>
-                <a:latin typeface="Gill Sans MT" panose="020B0502020104020203" pitchFamily="34" charset="0"/>
-                <a:ea typeface="Verdana" panose="020B0604030504040204" pitchFamily="34" charset="0"/>
-                <a:cs typeface="Verdana" panose="020B0604030504040204" pitchFamily="34" charset="0"/>
-              </a:rPr>
-              <a:t>focales</a:t>
-            </a:r>
-            <a:r>
-              <a:rPr lang="en-US" dirty="0" smtClean="0">
-                <a:solidFill>
-                  <a:srgbClr val="636382"/>
-                </a:solidFill>
-                <a:latin typeface="Gill Sans MT" panose="020B0502020104020203" pitchFamily="34" charset="0"/>
-                <a:ea typeface="Verdana" panose="020B0604030504040204" pitchFamily="34" charset="0"/>
-                <a:cs typeface="Verdana" panose="020B0604030504040204" pitchFamily="34" charset="0"/>
-              </a:rPr>
-              <a:t> </a:t>
-            </a:r>
-            <a:r>
-              <a:rPr lang="en-US" dirty="0" err="1" smtClean="0">
-                <a:solidFill>
-                  <a:srgbClr val="636382"/>
-                </a:solidFill>
-                <a:latin typeface="Gill Sans MT" panose="020B0502020104020203" pitchFamily="34" charset="0"/>
-                <a:ea typeface="Verdana" panose="020B0604030504040204" pitchFamily="34" charset="0"/>
-                <a:cs typeface="Verdana" panose="020B0604030504040204" pitchFamily="34" charset="0"/>
-              </a:rPr>
-              <a:t>como</a:t>
-            </a:r>
-            <a:r>
-              <a:rPr lang="en-US" dirty="0" smtClean="0">
-                <a:solidFill>
-                  <a:srgbClr val="636382"/>
-                </a:solidFill>
-                <a:latin typeface="Gill Sans MT" panose="020B0502020104020203" pitchFamily="34" charset="0"/>
-                <a:ea typeface="Verdana" panose="020B0604030504040204" pitchFamily="34" charset="0"/>
-                <a:cs typeface="Verdana" panose="020B0604030504040204" pitchFamily="34" charset="0"/>
-              </a:rPr>
-              <a:t> </a:t>
-            </a:r>
-            <a:r>
-              <a:rPr lang="en-US" dirty="0" err="1" smtClean="0">
-                <a:solidFill>
-                  <a:srgbClr val="636382"/>
-                </a:solidFill>
-                <a:latin typeface="Gill Sans MT" panose="020B0502020104020203" pitchFamily="34" charset="0"/>
-                <a:ea typeface="Verdana" panose="020B0604030504040204" pitchFamily="34" charset="0"/>
-                <a:cs typeface="Verdana" panose="020B0604030504040204" pitchFamily="34" charset="0"/>
-              </a:rPr>
-              <a:t>abundancia</a:t>
-            </a:r>
-            <a:r>
-              <a:rPr lang="en-US" dirty="0" smtClean="0">
-                <a:solidFill>
-                  <a:srgbClr val="636382"/>
-                </a:solidFill>
-                <a:latin typeface="Gill Sans MT" panose="020B0502020104020203" pitchFamily="34" charset="0"/>
-                <a:ea typeface="Verdana" panose="020B0604030504040204" pitchFamily="34" charset="0"/>
-                <a:cs typeface="Verdana" panose="020B0604030504040204" pitchFamily="34" charset="0"/>
-              </a:rPr>
-              <a:t> o </a:t>
-            </a:r>
-            <a:r>
-              <a:rPr lang="en-US" dirty="0" err="1" smtClean="0">
-                <a:solidFill>
-                  <a:srgbClr val="636382"/>
-                </a:solidFill>
-                <a:latin typeface="Gill Sans MT" panose="020B0502020104020203" pitchFamily="34" charset="0"/>
-                <a:ea typeface="Verdana" panose="020B0604030504040204" pitchFamily="34" charset="0"/>
-                <a:cs typeface="Verdana" panose="020B0604030504040204" pitchFamily="34" charset="0"/>
-              </a:rPr>
-              <a:t>riqueza</a:t>
-            </a:r>
-            <a:r>
-              <a:rPr lang="en-US" dirty="0" smtClean="0">
-                <a:solidFill>
-                  <a:srgbClr val="636382"/>
-                </a:solidFill>
-                <a:latin typeface="Gill Sans MT" panose="020B0502020104020203" pitchFamily="34" charset="0"/>
-                <a:ea typeface="Verdana" panose="020B0604030504040204" pitchFamily="34" charset="0"/>
-                <a:cs typeface="Verdana" panose="020B0604030504040204" pitchFamily="34" charset="0"/>
-              </a:rPr>
-              <a:t> son </a:t>
-            </a:r>
-            <a:r>
-              <a:rPr lang="en-US" dirty="0" err="1" smtClean="0">
-                <a:solidFill>
-                  <a:srgbClr val="636382"/>
-                </a:solidFill>
-                <a:latin typeface="Gill Sans MT" panose="020B0502020104020203" pitchFamily="34" charset="0"/>
-                <a:ea typeface="Verdana" panose="020B0604030504040204" pitchFamily="34" charset="0"/>
-                <a:cs typeface="Verdana" panose="020B0604030504040204" pitchFamily="34" charset="0"/>
-              </a:rPr>
-              <a:t>típicamente</a:t>
-            </a:r>
-            <a:r>
-              <a:rPr lang="en-US" dirty="0" smtClean="0">
-                <a:solidFill>
-                  <a:srgbClr val="636382"/>
-                </a:solidFill>
-                <a:latin typeface="Gill Sans MT" panose="020B0502020104020203" pitchFamily="34" charset="0"/>
-                <a:ea typeface="Verdana" panose="020B0604030504040204" pitchFamily="34" charset="0"/>
-                <a:cs typeface="Verdana" panose="020B0604030504040204" pitchFamily="34" charset="0"/>
-              </a:rPr>
-              <a:t> </a:t>
-            </a:r>
-            <a:r>
-              <a:rPr lang="en-US" dirty="0" err="1" smtClean="0">
-                <a:solidFill>
-                  <a:srgbClr val="636382"/>
-                </a:solidFill>
-                <a:latin typeface="Gill Sans MT" panose="020B0502020104020203" pitchFamily="34" charset="0"/>
-                <a:ea typeface="Verdana" panose="020B0604030504040204" pitchFamily="34" charset="0"/>
-                <a:cs typeface="Verdana" panose="020B0604030504040204" pitchFamily="34" charset="0"/>
-              </a:rPr>
-              <a:t>medidas</a:t>
-            </a:r>
-            <a:r>
-              <a:rPr lang="en-US" dirty="0" smtClean="0">
-                <a:solidFill>
-                  <a:srgbClr val="636382"/>
-                </a:solidFill>
-                <a:latin typeface="Gill Sans MT" panose="020B0502020104020203" pitchFamily="34" charset="0"/>
-                <a:ea typeface="Verdana" panose="020B0604030504040204" pitchFamily="34" charset="0"/>
-                <a:cs typeface="Verdana" panose="020B0604030504040204" pitchFamily="34" charset="0"/>
-              </a:rPr>
-              <a:t> </a:t>
-            </a:r>
-            <a:r>
-              <a:rPr lang="en-US" dirty="0" err="1" smtClean="0">
-                <a:solidFill>
-                  <a:srgbClr val="636382"/>
-                </a:solidFill>
-                <a:latin typeface="Gill Sans MT" panose="020B0502020104020203" pitchFamily="34" charset="0"/>
-                <a:ea typeface="Verdana" panose="020B0604030504040204" pitchFamily="34" charset="0"/>
-                <a:cs typeface="Verdana" panose="020B0604030504040204" pitchFamily="34" charset="0"/>
-              </a:rPr>
-              <a:t>en</a:t>
-            </a:r>
-            <a:r>
-              <a:rPr lang="en-US" dirty="0" smtClean="0">
-                <a:solidFill>
-                  <a:srgbClr val="636382"/>
-                </a:solidFill>
-                <a:latin typeface="Gill Sans MT" panose="020B0502020104020203" pitchFamily="34" charset="0"/>
-                <a:ea typeface="Verdana" panose="020B0604030504040204" pitchFamily="34" charset="0"/>
-                <a:cs typeface="Verdana" panose="020B0604030504040204" pitchFamily="34" charset="0"/>
-              </a:rPr>
-              <a:t> </a:t>
-            </a:r>
-            <a:r>
-              <a:rPr lang="en-US" dirty="0" err="1" smtClean="0">
-                <a:solidFill>
-                  <a:srgbClr val="636382"/>
-                </a:solidFill>
-                <a:latin typeface="Gill Sans MT" panose="020B0502020104020203" pitchFamily="34" charset="0"/>
-                <a:ea typeface="Verdana" panose="020B0604030504040204" pitchFamily="34" charset="0"/>
-                <a:cs typeface="Verdana" panose="020B0604030504040204" pitchFamily="34" charset="0"/>
-              </a:rPr>
-              <a:t>conteos</a:t>
-            </a:r>
-            <a:r>
-              <a:rPr lang="en-US" dirty="0">
-                <a:solidFill>
-                  <a:srgbClr val="636382"/>
-                </a:solidFill>
-                <a:latin typeface="Gill Sans MT" panose="020B0502020104020203" pitchFamily="34" charset="0"/>
-                <a:ea typeface="Verdana" panose="020B0604030504040204" pitchFamily="34" charset="0"/>
-                <a:cs typeface="Verdana" panose="020B0604030504040204" pitchFamily="34" charset="0"/>
-              </a:rPr>
-              <a:t> </a:t>
-            </a:r>
-            <a:r>
-              <a:rPr lang="en-US" dirty="0" smtClean="0">
-                <a:solidFill>
-                  <a:srgbClr val="636382"/>
-                </a:solidFill>
-                <a:latin typeface="Gill Sans MT" panose="020B0502020104020203" pitchFamily="34" charset="0"/>
-                <a:ea typeface="Verdana" panose="020B0604030504040204" pitchFamily="34" charset="0"/>
-                <a:cs typeface="Verdana" panose="020B0604030504040204" pitchFamily="34" charset="0"/>
-              </a:rPr>
-              <a:t>que son </a:t>
-            </a:r>
-            <a:r>
-              <a:rPr lang="en-US" dirty="0" err="1" smtClean="0">
-                <a:solidFill>
-                  <a:srgbClr val="636382"/>
-                </a:solidFill>
-                <a:latin typeface="Gill Sans MT" panose="020B0502020104020203" pitchFamily="34" charset="0"/>
-                <a:ea typeface="Verdana" panose="020B0604030504040204" pitchFamily="34" charset="0"/>
-                <a:cs typeface="Verdana" panose="020B0604030504040204" pitchFamily="34" charset="0"/>
-              </a:rPr>
-              <a:t>menores</a:t>
-            </a:r>
-            <a:r>
-              <a:rPr lang="en-US" dirty="0" smtClean="0">
-                <a:solidFill>
-                  <a:srgbClr val="636382"/>
-                </a:solidFill>
-                <a:latin typeface="Gill Sans MT" panose="020B0502020104020203" pitchFamily="34" charset="0"/>
-                <a:ea typeface="Verdana" panose="020B0604030504040204" pitchFamily="34" charset="0"/>
-                <a:cs typeface="Verdana" panose="020B0604030504040204" pitchFamily="34" charset="0"/>
-              </a:rPr>
-              <a:t> a lo que </a:t>
-            </a:r>
-            <a:r>
-              <a:rPr lang="en-US" dirty="0" err="1" smtClean="0">
-                <a:solidFill>
-                  <a:srgbClr val="636382"/>
-                </a:solidFill>
-                <a:latin typeface="Gill Sans MT" panose="020B0502020104020203" pitchFamily="34" charset="0"/>
-                <a:ea typeface="Verdana" panose="020B0604030504040204" pitchFamily="34" charset="0"/>
-                <a:cs typeface="Verdana" panose="020B0604030504040204" pitchFamily="34" charset="0"/>
-              </a:rPr>
-              <a:t>realmente</a:t>
-            </a:r>
-            <a:r>
-              <a:rPr lang="en-US" dirty="0" smtClean="0">
-                <a:solidFill>
-                  <a:srgbClr val="636382"/>
-                </a:solidFill>
-                <a:latin typeface="Gill Sans MT" panose="020B0502020104020203" pitchFamily="34" charset="0"/>
-                <a:ea typeface="Verdana" panose="020B0604030504040204" pitchFamily="34" charset="0"/>
-                <a:cs typeface="Verdana" panose="020B0604030504040204" pitchFamily="34" charset="0"/>
-              </a:rPr>
-              <a:t> hay (</a:t>
-            </a:r>
-            <a:r>
-              <a:rPr lang="en-US" dirty="0" err="1" smtClean="0">
-                <a:solidFill>
-                  <a:srgbClr val="636382"/>
-                </a:solidFill>
-                <a:latin typeface="Gill Sans MT" panose="020B0502020104020203" pitchFamily="34" charset="0"/>
-                <a:ea typeface="Verdana" panose="020B0604030504040204" pitchFamily="34" charset="0"/>
-                <a:cs typeface="Verdana" panose="020B0604030504040204" pitchFamily="34" charset="0"/>
-              </a:rPr>
-              <a:t>nos</a:t>
-            </a:r>
-            <a:r>
-              <a:rPr lang="en-US" dirty="0" smtClean="0">
-                <a:solidFill>
-                  <a:srgbClr val="636382"/>
-                </a:solidFill>
-                <a:latin typeface="Gill Sans MT" panose="020B0502020104020203" pitchFamily="34" charset="0"/>
-                <a:ea typeface="Verdana" panose="020B0604030504040204" pitchFamily="34" charset="0"/>
-                <a:cs typeface="Verdana" panose="020B0604030504040204" pitchFamily="34" charset="0"/>
-              </a:rPr>
-              <a:t> “</a:t>
-            </a:r>
-            <a:r>
-              <a:rPr lang="en-US" dirty="0" err="1" smtClean="0">
-                <a:solidFill>
-                  <a:srgbClr val="636382"/>
-                </a:solidFill>
-                <a:latin typeface="Gill Sans MT" panose="020B0502020104020203" pitchFamily="34" charset="0"/>
-                <a:ea typeface="Verdana" panose="020B0604030504040204" pitchFamily="34" charset="0"/>
-                <a:cs typeface="Verdana" panose="020B0604030504040204" pitchFamily="34" charset="0"/>
-              </a:rPr>
-              <a:t>perdemos</a:t>
-            </a:r>
-            <a:r>
-              <a:rPr lang="en-US" dirty="0" smtClean="0">
-                <a:solidFill>
-                  <a:srgbClr val="636382"/>
-                </a:solidFill>
-                <a:latin typeface="Gill Sans MT" panose="020B0502020104020203" pitchFamily="34" charset="0"/>
-                <a:ea typeface="Verdana" panose="020B0604030504040204" pitchFamily="34" charset="0"/>
-                <a:cs typeface="Verdana" panose="020B0604030504040204" pitchFamily="34" charset="0"/>
-              </a:rPr>
-              <a:t>” </a:t>
-            </a:r>
-            <a:r>
-              <a:rPr lang="en-US" dirty="0" err="1" smtClean="0">
-                <a:solidFill>
-                  <a:srgbClr val="636382"/>
-                </a:solidFill>
-                <a:latin typeface="Gill Sans MT" panose="020B0502020104020203" pitchFamily="34" charset="0"/>
-                <a:ea typeface="Verdana" panose="020B0604030504040204" pitchFamily="34" charset="0"/>
-                <a:cs typeface="Verdana" panose="020B0604030504040204" pitchFamily="34" charset="0"/>
-              </a:rPr>
-              <a:t>individuos</a:t>
-            </a:r>
-            <a:r>
-              <a:rPr lang="en-US" dirty="0" smtClean="0">
-                <a:solidFill>
-                  <a:srgbClr val="636382"/>
-                </a:solidFill>
-                <a:latin typeface="Gill Sans MT" panose="020B0502020104020203" pitchFamily="34" charset="0"/>
-                <a:ea typeface="Verdana" panose="020B0604030504040204" pitchFamily="34" charset="0"/>
-                <a:cs typeface="Verdana" panose="020B0604030504040204" pitchFamily="34" charset="0"/>
-              </a:rPr>
-              <a:t>)</a:t>
-            </a:r>
-          </a:p>
+            <a:endParaRPr lang="es-ES" dirty="0">
+              <a:solidFill>
+                <a:srgbClr val="636382"/>
+              </a:solidFill>
+              <a:latin typeface="Gill Sans MT" panose="020B0502020104020203" pitchFamily="34" charset="0"/>
+              <a:ea typeface="Verdana" panose="020B0604030504040204" pitchFamily="34" charset="0"/>
+              <a:cs typeface="Verdana" panose="020B0604030504040204" pitchFamily="34" charset="0"/>
+            </a:endParaRPr>
+          </a:p>
+        </p:txBody>
+      </p:sp>
+      <p:pic>
+        <p:nvPicPr>
+          <p:cNvPr id="2" name="Picture 1"/>
+          <p:cNvPicPr>
+            <a:picLocks noChangeAspect="1"/>
+          </p:cNvPicPr>
+          <p:nvPr/>
+        </p:nvPicPr>
+        <p:blipFill rotWithShape="1">
+          <a:blip r:embed="rId3"/>
+          <a:srcRect l="2693" t="3340" r="11656" b="107"/>
+          <a:stretch/>
+        </p:blipFill>
+        <p:spPr>
+          <a:xfrm rot="60000">
+            <a:off x="5818668" y="1009753"/>
+            <a:ext cx="3188319" cy="2609921"/>
+          </a:xfrm>
+          <a:prstGeom prst="rect">
+            <a:avLst/>
+          </a:prstGeom>
+        </p:spPr>
+      </p:pic>
+      <p:sp>
+        <p:nvSpPr>
+          <p:cNvPr id="5" name="Rectangle 4"/>
+          <p:cNvSpPr/>
+          <p:nvPr/>
+        </p:nvSpPr>
+        <p:spPr>
+          <a:xfrm>
+            <a:off x="107504" y="1254239"/>
+            <a:ext cx="5388285" cy="2246769"/>
+          </a:xfrm>
+          <a:prstGeom prst="rect">
+            <a:avLst/>
+          </a:prstGeom>
+        </p:spPr>
+        <p:txBody>
+          <a:bodyPr wrap="square">
+            <a:spAutoFit/>
+          </a:bodyPr>
+          <a:lstStyle/>
           <a:p>
             <a:pPr marL="342900" lvl="1" indent="-342900">
               <a:spcAft>
@@ -19623,7 +19576,7 @@
               <a:defRPr/>
             </a:pPr>
             <a:r>
-              <a:rPr lang="en-US" dirty="0" smtClean="0">
+              <a:rPr lang="en-US" sz="2800" dirty="0">
                 <a:solidFill>
                   <a:srgbClr val="636382"/>
                 </a:solidFill>
@@ -19631,10 +19584,10 @@
                 <a:ea typeface="Verdana" panose="020B0604030504040204" pitchFamily="34" charset="0"/>
                 <a:cs typeface="Verdana" panose="020B0604030504040204" pitchFamily="34" charset="0"/>
               </a:rPr>
-              <a:t>Este error </a:t>
-            </a:r>
-            <a:r>
-              <a:rPr lang="en-US" dirty="0" err="1" smtClean="0">
+              <a:t>El error de </a:t>
+            </a:r>
+            <a:r>
+              <a:rPr lang="en-US" sz="2800" dirty="0" err="1">
                 <a:solidFill>
                   <a:srgbClr val="636382"/>
                 </a:solidFill>
@@ -19642,10 +19595,10 @@
                 <a:ea typeface="Verdana" panose="020B0604030504040204" pitchFamily="34" charset="0"/>
                 <a:cs typeface="Verdana" panose="020B0604030504040204" pitchFamily="34" charset="0"/>
               </a:rPr>
-              <a:t>necesita</a:t>
-            </a:r>
-            <a:r>
-              <a:rPr lang="en-US" dirty="0" smtClean="0">
+              <a:t>observación</a:t>
+            </a:r>
+            <a:r>
+              <a:rPr lang="en-US" sz="2800" dirty="0">
                 <a:solidFill>
                   <a:srgbClr val="636382"/>
                 </a:solidFill>
@@ -19653,10 +19606,10 @@
                 <a:ea typeface="Verdana" panose="020B0604030504040204" pitchFamily="34" charset="0"/>
                 <a:cs typeface="Verdana" panose="020B0604030504040204" pitchFamily="34" charset="0"/>
               </a:rPr>
-              <a:t> </a:t>
-            </a:r>
-            <a:r>
-              <a:rPr lang="en-US" dirty="0" err="1" smtClean="0">
+              <a:t> o de </a:t>
+            </a:r>
+            <a:r>
+              <a:rPr lang="en-US" sz="2800" dirty="0" err="1">
                 <a:solidFill>
                   <a:srgbClr val="636382"/>
                 </a:solidFill>
@@ -19664,10 +19617,10 @@
                 <a:ea typeface="Verdana" panose="020B0604030504040204" pitchFamily="34" charset="0"/>
                 <a:cs typeface="Verdana" panose="020B0604030504040204" pitchFamily="34" charset="0"/>
               </a:rPr>
-              <a:t>otros</a:t>
-            </a:r>
-            <a:r>
-              <a:rPr lang="en-US" dirty="0" smtClean="0">
+              <a:t>medición</a:t>
+            </a:r>
+            <a:r>
+              <a:rPr lang="en-US" sz="2800" dirty="0">
                 <a:solidFill>
                   <a:srgbClr val="636382"/>
                 </a:solidFill>
@@ -19678,7 +19631,7 @@
               <a:t> </a:t>
             </a:r>
             <a:r>
-              <a:rPr lang="en-US" dirty="0" err="1" smtClean="0">
+              <a:rPr lang="en-US" sz="2800" dirty="0" err="1">
                 <a:solidFill>
                   <a:srgbClr val="636382"/>
                 </a:solidFill>
@@ -19686,10 +19639,10 @@
                 <a:ea typeface="Verdana" panose="020B0604030504040204" pitchFamily="34" charset="0"/>
                 <a:cs typeface="Verdana" panose="020B0604030504040204" pitchFamily="34" charset="0"/>
               </a:rPr>
-              <a:t>tipos</a:t>
-            </a:r>
-            <a:r>
-              <a:rPr lang="en-US" dirty="0" smtClean="0">
+              <a:t>generalmente</a:t>
+            </a:r>
+            <a:r>
+              <a:rPr lang="en-US" sz="2800" dirty="0">
                 <a:solidFill>
                   <a:srgbClr val="636382"/>
                 </a:solidFill>
@@ -19697,10 +19650,10 @@
                 <a:ea typeface="Verdana" panose="020B0604030504040204" pitchFamily="34" charset="0"/>
                 <a:cs typeface="Verdana" panose="020B0604030504040204" pitchFamily="34" charset="0"/>
               </a:rPr>
-              <a:t> de </a:t>
-            </a:r>
-            <a:r>
-              <a:rPr lang="en-US" dirty="0" err="1" smtClean="0">
+              <a:t> </a:t>
+            </a:r>
+            <a:r>
+              <a:rPr lang="en-US" sz="2800" dirty="0" err="1">
                 <a:solidFill>
                   <a:srgbClr val="636382"/>
                 </a:solidFill>
@@ -19708,10 +19661,10 @@
                 <a:ea typeface="Verdana" panose="020B0604030504040204" pitchFamily="34" charset="0"/>
                 <a:cs typeface="Verdana" panose="020B0604030504040204" pitchFamily="34" charset="0"/>
               </a:rPr>
-              <a:t>distribuciones</a:t>
-            </a:r>
-            <a:r>
-              <a:rPr lang="en-US" dirty="0" smtClean="0">
+              <a:t>es</a:t>
+            </a:r>
+            <a:r>
+              <a:rPr lang="en-US" sz="2800" dirty="0">
                 <a:solidFill>
                   <a:srgbClr val="636382"/>
                 </a:solidFill>
@@ -19721,14 +19674,138 @@
               </a:rPr>
               <a:t> </a:t>
             </a:r>
-            <a:endParaRPr lang="es-ES" dirty="0">
-              <a:solidFill>
-                <a:srgbClr val="636382"/>
-              </a:solidFill>
-              <a:latin typeface="Gill Sans MT" panose="020B0502020104020203" pitchFamily="34" charset="0"/>
-              <a:ea typeface="Verdana" panose="020B0604030504040204" pitchFamily="34" charset="0"/>
-              <a:cs typeface="Verdana" panose="020B0604030504040204" pitchFamily="34" charset="0"/>
-            </a:endParaRPr>
+            <a:r>
+              <a:rPr lang="en-US" sz="2800" dirty="0" err="1">
+                <a:solidFill>
+                  <a:srgbClr val="636382"/>
+                </a:solidFill>
+                <a:latin typeface="Gill Sans MT" panose="020B0502020104020203" pitchFamily="34" charset="0"/>
+                <a:ea typeface="Verdana" panose="020B0604030504040204" pitchFamily="34" charset="0"/>
+                <a:cs typeface="Verdana" panose="020B0604030504040204" pitchFamily="34" charset="0"/>
+              </a:rPr>
+              <a:t>tratado</a:t>
+            </a:r>
+            <a:r>
+              <a:rPr lang="en-US" sz="2800" dirty="0">
+                <a:solidFill>
+                  <a:srgbClr val="636382"/>
+                </a:solidFill>
+                <a:latin typeface="Gill Sans MT" panose="020B0502020104020203" pitchFamily="34" charset="0"/>
+                <a:ea typeface="Verdana" panose="020B0604030504040204" pitchFamily="34" charset="0"/>
+                <a:cs typeface="Verdana" panose="020B0604030504040204" pitchFamily="34" charset="0"/>
+              </a:rPr>
+              <a:t> </a:t>
+            </a:r>
+            <a:r>
+              <a:rPr lang="en-US" sz="2800" dirty="0" err="1">
+                <a:solidFill>
+                  <a:srgbClr val="636382"/>
+                </a:solidFill>
+                <a:latin typeface="Gill Sans MT" panose="020B0502020104020203" pitchFamily="34" charset="0"/>
+                <a:ea typeface="Verdana" panose="020B0604030504040204" pitchFamily="34" charset="0"/>
+                <a:cs typeface="Verdana" panose="020B0604030504040204" pitchFamily="34" charset="0"/>
+              </a:rPr>
+              <a:t>en</a:t>
+            </a:r>
+            <a:r>
+              <a:rPr lang="en-US" sz="2800" dirty="0">
+                <a:solidFill>
+                  <a:srgbClr val="636382"/>
+                </a:solidFill>
+                <a:latin typeface="Gill Sans MT" panose="020B0502020104020203" pitchFamily="34" charset="0"/>
+                <a:ea typeface="Verdana" panose="020B0604030504040204" pitchFamily="34" charset="0"/>
+                <a:cs typeface="Verdana" panose="020B0604030504040204" pitchFamily="34" charset="0"/>
+              </a:rPr>
+              <a:t> la </a:t>
+            </a:r>
+            <a:r>
+              <a:rPr lang="en-US" sz="2800" dirty="0" err="1">
+                <a:solidFill>
+                  <a:srgbClr val="636382"/>
+                </a:solidFill>
+                <a:latin typeface="Gill Sans MT" panose="020B0502020104020203" pitchFamily="34" charset="0"/>
+                <a:ea typeface="Verdana" panose="020B0604030504040204" pitchFamily="34" charset="0"/>
+                <a:cs typeface="Verdana" panose="020B0604030504040204" pitchFamily="34" charset="0"/>
+              </a:rPr>
+              <a:t>estadística</a:t>
+            </a:r>
+            <a:r>
+              <a:rPr lang="en-US" sz="2800" dirty="0">
+                <a:solidFill>
+                  <a:srgbClr val="636382"/>
+                </a:solidFill>
+                <a:latin typeface="Gill Sans MT" panose="020B0502020104020203" pitchFamily="34" charset="0"/>
+                <a:ea typeface="Verdana" panose="020B0604030504040204" pitchFamily="34" charset="0"/>
+                <a:cs typeface="Verdana" panose="020B0604030504040204" pitchFamily="34" charset="0"/>
+              </a:rPr>
+              <a:t> </a:t>
+            </a:r>
+            <a:r>
+              <a:rPr lang="en-US" sz="2800" dirty="0" err="1">
+                <a:solidFill>
+                  <a:srgbClr val="636382"/>
+                </a:solidFill>
+                <a:latin typeface="Gill Sans MT" panose="020B0502020104020203" pitchFamily="34" charset="0"/>
+                <a:ea typeface="Verdana" panose="020B0604030504040204" pitchFamily="34" charset="0"/>
+                <a:cs typeface="Verdana" panose="020B0604030504040204" pitchFamily="34" charset="0"/>
+              </a:rPr>
+              <a:t>como</a:t>
+            </a:r>
+            <a:r>
+              <a:rPr lang="en-US" sz="2800" dirty="0">
+                <a:solidFill>
+                  <a:srgbClr val="636382"/>
+                </a:solidFill>
+                <a:latin typeface="Gill Sans MT" panose="020B0502020104020203" pitchFamily="34" charset="0"/>
+                <a:ea typeface="Verdana" panose="020B0604030504040204" pitchFamily="34" charset="0"/>
+                <a:cs typeface="Verdana" panose="020B0604030504040204" pitchFamily="34" charset="0"/>
+              </a:rPr>
+              <a:t> </a:t>
+            </a:r>
+            <a:r>
+              <a:rPr lang="en-US" sz="2800" dirty="0" err="1">
+                <a:solidFill>
+                  <a:srgbClr val="636382"/>
+                </a:solidFill>
+                <a:latin typeface="Gill Sans MT" panose="020B0502020104020203" pitchFamily="34" charset="0"/>
+                <a:ea typeface="Verdana" panose="020B0604030504040204" pitchFamily="34" charset="0"/>
+                <a:cs typeface="Verdana" panose="020B0604030504040204" pitchFamily="34" charset="0"/>
+              </a:rPr>
+              <a:t>normalmente</a:t>
+            </a:r>
+            <a:r>
+              <a:rPr lang="en-US" sz="2800" dirty="0">
+                <a:solidFill>
+                  <a:srgbClr val="636382"/>
+                </a:solidFill>
+                <a:latin typeface="Gill Sans MT" panose="020B0502020104020203" pitchFamily="34" charset="0"/>
+                <a:ea typeface="Verdana" panose="020B0604030504040204" pitchFamily="34" charset="0"/>
+                <a:cs typeface="Verdana" panose="020B0604030504040204" pitchFamily="34" charset="0"/>
+              </a:rPr>
+              <a:t> </a:t>
+            </a:r>
+            <a:r>
+              <a:rPr lang="en-US" sz="2800" dirty="0" err="1">
+                <a:solidFill>
+                  <a:srgbClr val="636382"/>
+                </a:solidFill>
+                <a:latin typeface="Gill Sans MT" panose="020B0502020104020203" pitchFamily="34" charset="0"/>
+                <a:ea typeface="Verdana" panose="020B0604030504040204" pitchFamily="34" charset="0"/>
+                <a:cs typeface="Verdana" panose="020B0604030504040204" pitchFamily="34" charset="0"/>
+              </a:rPr>
+              <a:t>distribuido</a:t>
+            </a:r>
+            <a:r>
+              <a:rPr lang="en-US" sz="2800" dirty="0">
+                <a:solidFill>
+                  <a:srgbClr val="636382"/>
+                </a:solidFill>
+                <a:latin typeface="Gill Sans MT" panose="020B0502020104020203" pitchFamily="34" charset="0"/>
+                <a:ea typeface="Verdana" panose="020B0604030504040204" pitchFamily="34" charset="0"/>
+                <a:cs typeface="Verdana" panose="020B0604030504040204" pitchFamily="34" charset="0"/>
+              </a:rPr>
+              <a:t> con media 0</a:t>
+            </a:r>
           </a:p>
         </p:txBody>
       </p:sp>
@@ -20296,7 +20373,7 @@
 </file>
 
 <file path=ppt/slides/slide19.xml><?xml version="1.0" encoding="utf-8"?>
-<p:sld xmlns:a="http://schemas.openxmlformats.org/drawingml/2006/main" xmlns:r="http://schemas.openxmlformats.org/officeDocument/2006/relationships" xmlns:p="http://schemas.openxmlformats.org/presentationml/2006/main">
+<p:sld xmlns:a="http://schemas.openxmlformats.org/drawingml/2006/main" xmlns:r="http://schemas.openxmlformats.org/officeDocument/2006/relationships" xmlns:p="http://schemas.openxmlformats.org/presentationml/2006/main" show="0">
   <p:cSld>
     <p:spTree>
       <p:nvGrpSpPr>
@@ -20603,6 +20680,14 @@
   <p:clrMapOvr>
     <a:masterClrMapping/>
   </p:clrMapOvr>
+  <mc:AlternateContent xmlns:mc="http://schemas.openxmlformats.org/markup-compatibility/2006">
+    <mc:Choice xmlns:p14="http://schemas.microsoft.com/office/powerpoint/2010/main" Requires="p14">
+      <p:transition spd="slow" p14:dur="2000"/>
+    </mc:Choice>
+    <mc:Fallback>
+      <p:transition spd="slow"/>
+    </mc:Fallback>
+  </mc:AlternateContent>
   <p:timing>
     <p:tnLst>
       <p:par>
@@ -22024,7 +22109,14 @@
           </a:p>
           <a:p>
             <a:r>
-              <a:rPr lang="es-ES" sz="2400" dirty="0"/>
+              <a:rPr lang="es-ES" sz="2000" dirty="0">
+                <a:solidFill>
+                  <a:srgbClr val="636382"/>
+                </a:solidFill>
+                <a:latin typeface="Verdana" panose="020B0604030504040204" pitchFamily="34" charset="0"/>
+                <a:ea typeface="Verdana" panose="020B0604030504040204" pitchFamily="34" charset="0"/>
+                <a:cs typeface="Verdana" panose="020B0604030504040204" pitchFamily="34" charset="0"/>
+              </a:rPr>
               <a:t>puede tomar solo un número contable de valores distintos como 0, 1, 2, 3, 4, 5… 100, 1 millón, etc. </a:t>
             </a:r>
           </a:p>
@@ -22758,8 +22850,8 @@
         </p:nvSpPr>
         <p:spPr>
           <a:xfrm>
-            <a:off x="611560" y="4581128"/>
-            <a:ext cx="6768752" cy="461665"/>
+            <a:off x="323528" y="4581128"/>
+            <a:ext cx="5472608" cy="707886"/>
           </a:xfrm>
           <a:prstGeom prst="rect">
             <a:avLst/>
@@ -22772,16 +22864,54 @@
           <a:lstStyle/>
           <a:p>
             <a:r>
-              <a:rPr lang="es-ES" sz="2400" dirty="0" smtClean="0"/>
+              <a:rPr lang="es-ES" sz="2000" dirty="0">
+                <a:solidFill>
+                  <a:srgbClr val="636382"/>
+                </a:solidFill>
+                <a:latin typeface="Verdana" panose="020B0604030504040204" pitchFamily="34" charset="0"/>
+                <a:ea typeface="Verdana" panose="020B0604030504040204" pitchFamily="34" charset="0"/>
+                <a:cs typeface="Verdana" panose="020B0604030504040204" pitchFamily="34" charset="0"/>
+              </a:rPr>
               <a:t>puede </a:t>
             </a:r>
             <a:r>
-              <a:rPr lang="es-ES" sz="2400" dirty="0"/>
+              <a:rPr lang="es-ES" sz="2000" dirty="0">
+                <a:solidFill>
+                  <a:srgbClr val="636382"/>
+                </a:solidFill>
+                <a:latin typeface="Verdana" panose="020B0604030504040204" pitchFamily="34" charset="0"/>
+                <a:ea typeface="Verdana" panose="020B0604030504040204" pitchFamily="34" charset="0"/>
+                <a:cs typeface="Verdana" panose="020B0604030504040204" pitchFamily="34" charset="0"/>
+              </a:rPr>
               <a:t>tomar un número infinito de valores posibles. </a:t>
             </a:r>
           </a:p>
         </p:txBody>
       </p:sp>
+      <p:pic>
+        <p:nvPicPr>
+          <p:cNvPr id="5" name="Picture 4"/>
+          <p:cNvPicPr>
+            <a:picLocks noChangeAspect="1"/>
+          </p:cNvPicPr>
+          <p:nvPr/>
+        </p:nvPicPr>
+        <p:blipFill>
+          <a:blip r:embed="rId3"/>
+          <a:stretch>
+            <a:fillRect/>
+          </a:stretch>
+        </p:blipFill>
+        <p:spPr>
+          <a:xfrm>
+            <a:off x="5940152" y="2918096"/>
+            <a:ext cx="3091911" cy="3901407"/>
+          </a:xfrm>
+          <a:prstGeom prst="rect">
+            <a:avLst/>
+          </a:prstGeom>
+        </p:spPr>
+      </p:pic>
     </p:spTree>
     <p:extLst>
       <p:ext uri="{BB962C8B-B14F-4D97-AF65-F5344CB8AC3E}">
@@ -35495,7 +35625,7 @@
                 </a:solidFill>
                 <a:latin typeface="Gill Sans MT" panose="020B0502020104020203" pitchFamily="34" charset="0"/>
               </a:rPr>
-              <a:t>sucesiovas</a:t>
+              <a:t>sucesivas</a:t>
             </a:r>
             <a:r>
               <a:rPr lang="en-US" sz="2800" dirty="0" smtClean="0">
@@ -35504,7 +35634,16 @@
                 </a:solidFill>
                 <a:latin typeface="Gill Sans MT" panose="020B0502020104020203" pitchFamily="34" charset="0"/>
               </a:rPr>
-              <a:t> son </a:t>
+              <a:t> </a:t>
+            </a:r>
+            <a:r>
+              <a:rPr lang="en-US" sz="2800" dirty="0" smtClean="0">
+                <a:solidFill>
+                  <a:srgbClr val="636382"/>
+                </a:solidFill>
+                <a:latin typeface="Gill Sans MT" panose="020B0502020104020203" pitchFamily="34" charset="0"/>
+              </a:rPr>
+              <a:t>son </a:t>
             </a:r>
             <a:r>
               <a:rPr lang="en-US" sz="2800" dirty="0" err="1" smtClean="0">
@@ -36317,7 +36456,16 @@
                 </a:solidFill>
                 <a:latin typeface="Gill Sans MT" panose="020B0502020104020203" pitchFamily="34" charset="0"/>
               </a:rPr>
-              <a:t>Al contar de menos (no detectar un organismo) – Falsos negativos</a:t>
+              <a:t>Al contar de menos (no detectar un organismo) – </a:t>
+            </a:r>
+            <a:r>
+              <a:rPr lang="es-ES" sz="2800" b="1" dirty="0" smtClean="0">
+                <a:solidFill>
+                  <a:srgbClr val="636382"/>
+                </a:solidFill>
+                <a:latin typeface="Gill Sans MT" panose="020B0502020104020203" pitchFamily="34" charset="0"/>
+              </a:rPr>
+              <a:t>Falsos negativos</a:t>
             </a:r>
           </a:p>
           <a:p>
@@ -36338,7 +36486,16 @@
                 </a:solidFill>
                 <a:latin typeface="Gill Sans MT" panose="020B0502020104020203" pitchFamily="34" charset="0"/>
               </a:rPr>
-              <a:t>Presencia/ausencia </a:t>
+              <a:t>“</a:t>
+            </a:r>
+            <a:r>
+              <a:rPr lang="es-ES" sz="2800" dirty="0" smtClean="0">
+                <a:solidFill>
+                  <a:srgbClr val="636382"/>
+                </a:solidFill>
+                <a:latin typeface="Gill Sans MT" panose="020B0502020104020203" pitchFamily="34" charset="0"/>
+              </a:rPr>
+              <a:t>Presencia/ausencia” </a:t>
             </a:r>
             <a:r>
               <a:rPr lang="es-ES" sz="2800" i="1" dirty="0" smtClean="0">
@@ -37298,7 +37455,7 @@
         </p:nvSpPr>
         <p:spPr>
           <a:xfrm>
-            <a:off x="395536" y="148278"/>
+            <a:off x="539552" y="260648"/>
             <a:ext cx="8280920" cy="5755422"/>
           </a:xfrm>
           <a:prstGeom prst="rect">
@@ -37476,17 +37633,19 @@
             </a:r>
           </a:p>
           <a:p>
-            <a:pPr lvl="1">
+            <a:pPr marL="800100" lvl="1" indent="-342900">
               <a:spcBef>
                 <a:spcPts val="0"/>
               </a:spcBef>
               <a:spcAft>
                 <a:spcPts val="600"/>
               </a:spcAft>
+              <a:buFont typeface="Arial" panose="020B0604020202020204" pitchFamily="34" charset="0"/>
+              <a:buChar char="•"/>
               <a:defRPr/>
             </a:pPr>
             <a:r>
-              <a:rPr lang="es-ES" sz="2800" dirty="0" smtClean="0">
+              <a:rPr lang="es-ES" sz="2400" dirty="0" smtClean="0">
                 <a:solidFill>
                   <a:srgbClr val="636382"/>
                 </a:solidFill>
@@ -37497,7 +37656,7 @@
               <a:t>TEST </a:t>
             </a:r>
             <a:r>
-              <a:rPr lang="es-ES" sz="2800" dirty="0">
+              <a:rPr lang="es-ES" sz="2400" dirty="0">
                 <a:solidFill>
                   <a:srgbClr val="636382"/>
                 </a:solidFill>
@@ -37508,7 +37667,7 @@
               <a:t>DE HIPÓTESIS </a:t>
             </a:r>
             <a:r>
-              <a:rPr lang="es-ES" sz="2800" dirty="0" smtClean="0">
+              <a:rPr lang="es-ES" sz="2400" dirty="0" smtClean="0">
                 <a:solidFill>
                   <a:srgbClr val="636382"/>
                 </a:solidFill>
@@ -37518,7 +37677,7 @@
               </a:rPr>
               <a:t>NULA (verosimilitud de observar datos extremos p≤ 0,05)</a:t>
             </a:r>
-            <a:endParaRPr lang="es-ES" sz="2800" dirty="0">
+            <a:endParaRPr lang="es-ES" sz="2400" dirty="0">
               <a:solidFill>
                 <a:srgbClr val="636382"/>
               </a:solidFill>
@@ -37528,17 +37687,19 @@
             </a:endParaRPr>
           </a:p>
           <a:p>
-            <a:pPr lvl="1">
+            <a:pPr marL="800100" lvl="1" indent="-342900">
               <a:spcBef>
                 <a:spcPts val="0"/>
               </a:spcBef>
               <a:spcAft>
                 <a:spcPts val="600"/>
               </a:spcAft>
+              <a:buFont typeface="Arial" panose="020B0604020202020204" pitchFamily="34" charset="0"/>
+              <a:buChar char="•"/>
               <a:defRPr/>
             </a:pPr>
             <a:r>
-              <a:rPr lang="es-ES" sz="2800" dirty="0" smtClean="0">
+              <a:rPr lang="es-ES" sz="2400" dirty="0" smtClean="0">
                 <a:solidFill>
                   <a:srgbClr val="636382"/>
                 </a:solidFill>
@@ -37548,7 +37709,7 @@
               </a:rPr>
               <a:t>MÉTODOS DE TEORÍA DE LA INFORMACIÓN</a:t>
             </a:r>
-            <a:endParaRPr lang="es-ES" sz="2800" dirty="0">
+            <a:endParaRPr lang="es-ES" sz="2400" dirty="0">
               <a:solidFill>
                 <a:srgbClr val="636382"/>
               </a:solidFill>
@@ -38389,8 +38550,28 @@
               </a:rPr>
               <a:t>varianza del estimador </a:t>
             </a:r>
-            <a:r>
-              <a:rPr lang="es-ES" sz="2800" dirty="0" smtClean="0">
+            <a:endParaRPr lang="es-ES" sz="2800" b="1" dirty="0" smtClean="0">
+              <a:solidFill>
+                <a:srgbClr val="636382"/>
+              </a:solidFill>
+              <a:latin typeface="Gill Sans MT" panose="020B0502020104020203" pitchFamily="34" charset="0"/>
+              <a:ea typeface="Verdana" panose="020B0604030504040204" pitchFamily="34" charset="0"/>
+              <a:cs typeface="Verdana" panose="020B0604030504040204" pitchFamily="34" charset="0"/>
+            </a:endParaRPr>
+          </a:p>
+          <a:p>
+            <a:pPr marL="0" indent="0">
+              <a:spcBef>
+                <a:spcPts val="0"/>
+              </a:spcBef>
+              <a:spcAft>
+                <a:spcPts val="600"/>
+              </a:spcAft>
+              <a:buNone/>
+              <a:defRPr/>
+            </a:pPr>
+            <a:r>
+              <a:rPr lang="es-ES" sz="2800" b="1" dirty="0" smtClean="0">
                 <a:solidFill>
                   <a:srgbClr val="636382"/>
                 </a:solidFill>
@@ -38398,7 +38579,29 @@
                 <a:ea typeface="Verdana" panose="020B0604030504040204" pitchFamily="34" charset="0"/>
                 <a:cs typeface="Verdana" panose="020B0604030504040204" pitchFamily="34" charset="0"/>
               </a:rPr>
-              <a:t>(-parámetros = parsimonia) por medio de una optimización. </a:t>
+              <a:t>   </a:t>
+            </a:r>
+            <a:r>
+              <a:rPr lang="es-ES" sz="2800" dirty="0" smtClean="0">
+                <a:solidFill>
+                  <a:srgbClr val="636382"/>
+                </a:solidFill>
+                <a:latin typeface="Gill Sans MT" panose="020B0502020104020203" pitchFamily="34" charset="0"/>
+                <a:ea typeface="Verdana" panose="020B0604030504040204" pitchFamily="34" charset="0"/>
+                <a:cs typeface="Verdana" panose="020B0604030504040204" pitchFamily="34" charset="0"/>
+              </a:rPr>
+              <a:t>(-</a:t>
+            </a:r>
+            <a:r>
+              <a:rPr lang="es-ES" sz="2800" dirty="0" smtClean="0">
+                <a:solidFill>
+                  <a:srgbClr val="636382"/>
+                </a:solidFill>
+                <a:latin typeface="Gill Sans MT" panose="020B0502020104020203" pitchFamily="34" charset="0"/>
+                <a:ea typeface="Verdana" panose="020B0604030504040204" pitchFamily="34" charset="0"/>
+                <a:cs typeface="Verdana" panose="020B0604030504040204" pitchFamily="34" charset="0"/>
+              </a:rPr>
+              <a:t>parámetros = parsimonia) por medio de una optimización. </a:t>
             </a:r>
           </a:p>
           <a:p>
@@ -40612,7 +40815,7 @@
           <a:graphicData uri="http://schemas.openxmlformats.org/presentationml/2006/ole">
             <mc:AlternateContent xmlns:mc="http://schemas.openxmlformats.org/markup-compatibility/2006">
               <mc:Choice xmlns:v="urn:schemas-microsoft-com:vml" Requires="v">
-                <p:oleObj spid="_x0000_s5218" name="Ecuación" r:id="rId4" imgW="4635360" imgH="457200" progId="Equation.3">
+                <p:oleObj spid="_x0000_s5224" name="Ecuación" r:id="rId4" imgW="4635360" imgH="457200" progId="Equation.3">
                   <p:embed/>
                 </p:oleObj>
               </mc:Choice>
@@ -40682,7 +40885,7 @@
           <a:graphicData uri="http://schemas.openxmlformats.org/presentationml/2006/ole">
             <mc:AlternateContent xmlns:mc="http://schemas.openxmlformats.org/markup-compatibility/2006">
               <mc:Choice xmlns:v="urn:schemas-microsoft-com:vml" Requires="v">
-                <p:oleObj spid="_x0000_s5219" name="Equation" r:id="rId6" imgW="1739880" imgH="457200" progId="Equation.3">
+                <p:oleObj spid="_x0000_s5225" name="Equation" r:id="rId6" imgW="1739880" imgH="457200" progId="Equation.3">
                   <p:embed/>
                 </p:oleObj>
               </mc:Choice>
@@ -41215,7 +41418,7 @@
           <a:graphicData uri="http://schemas.openxmlformats.org/presentationml/2006/ole">
             <mc:AlternateContent xmlns:mc="http://schemas.openxmlformats.org/markup-compatibility/2006">
               <mc:Choice xmlns:v="urn:schemas-microsoft-com:vml" Requires="v">
-                <p:oleObj spid="_x0000_s7201" name="Equation" r:id="rId4" imgW="1739880" imgH="457200" progId="Equation.3">
+                <p:oleObj spid="_x0000_s7204" name="Equation" r:id="rId4" imgW="1739880" imgH="457200" progId="Equation.3">
                   <p:embed/>
                 </p:oleObj>
               </mc:Choice>
@@ -41733,7 +41936,7 @@
           <a:graphicData uri="http://schemas.openxmlformats.org/presentationml/2006/ole">
             <mc:AlternateContent xmlns:mc="http://schemas.openxmlformats.org/markup-compatibility/2006">
               <mc:Choice xmlns:v="urn:schemas-microsoft-com:vml" Requires="v">
-                <p:oleObj spid="_x0000_s8217" name="Equation" r:id="rId4" imgW="1739880" imgH="457200" progId="Equation.3">
+                <p:oleObj spid="_x0000_s8220" name="Equation" r:id="rId4" imgW="1739880" imgH="457200" progId="Equation.3">
                   <p:embed/>
                 </p:oleObj>
               </mc:Choice>
@@ -42354,7 +42557,7 @@
           <a:graphicData uri="http://schemas.openxmlformats.org/presentationml/2006/ole">
             <mc:AlternateContent xmlns:mc="http://schemas.openxmlformats.org/markup-compatibility/2006">
               <mc:Choice xmlns:v="urn:schemas-microsoft-com:vml" Requires="v">
-                <p:oleObj spid="_x0000_s6329" name="Equation" r:id="rId4" imgW="1688760" imgH="457200" progId="Equation.3">
+                <p:oleObj spid="_x0000_s6341" name="Equation" r:id="rId4" imgW="1688760" imgH="457200" progId="Equation.3">
                   <p:embed/>
                 </p:oleObj>
               </mc:Choice>
@@ -42421,7 +42624,7 @@
           <a:graphicData uri="http://schemas.openxmlformats.org/presentationml/2006/ole">
             <mc:AlternateContent xmlns:mc="http://schemas.openxmlformats.org/markup-compatibility/2006">
               <mc:Choice xmlns:v="urn:schemas-microsoft-com:vml" Requires="v">
-                <p:oleObj spid="_x0000_s6330" name="Equation" r:id="rId6" imgW="2539800" imgH="457200" progId="Equation.3">
+                <p:oleObj spid="_x0000_s6342" name="Equation" r:id="rId6" imgW="2539800" imgH="457200" progId="Equation.3">
                   <p:embed/>
                 </p:oleObj>
               </mc:Choice>
@@ -42504,7 +42707,7 @@
           <a:graphicData uri="http://schemas.openxmlformats.org/presentationml/2006/ole">
             <mc:AlternateContent xmlns:mc="http://schemas.openxmlformats.org/markup-compatibility/2006">
               <mc:Choice xmlns:v="urn:schemas-microsoft-com:vml" Requires="v">
-                <p:oleObj spid="_x0000_s6331" name="Equation" r:id="rId8" imgW="1511280" imgH="419040" progId="Equation.3">
+                <p:oleObj spid="_x0000_s6343" name="Equation" r:id="rId8" imgW="1511280" imgH="419040" progId="Equation.3">
                   <p:embed/>
                 </p:oleObj>
               </mc:Choice>
@@ -42574,7 +42777,7 @@
           <a:graphicData uri="http://schemas.openxmlformats.org/presentationml/2006/ole">
             <mc:AlternateContent xmlns:mc="http://schemas.openxmlformats.org/markup-compatibility/2006">
               <mc:Choice xmlns:v="urn:schemas-microsoft-com:vml" Requires="v">
-                <p:oleObj spid="_x0000_s6332" name="Equation" r:id="rId10" imgW="1167893" imgH="203112" progId="Equation.3">
+                <p:oleObj spid="_x0000_s6344" name="Equation" r:id="rId10" imgW="1167893" imgH="203112" progId="Equation.3">
                   <p:embed/>
                 </p:oleObj>
               </mc:Choice>
@@ -45937,7 +46140,7 @@
         </p:nvSpPr>
         <p:spPr>
           <a:xfrm>
-            <a:off x="1331640" y="980728"/>
+            <a:off x="899592" y="980728"/>
             <a:ext cx="7776864" cy="4896544"/>
           </a:xfrm>
           <a:prstGeom prst="rect">
@@ -46246,8 +46449,27 @@
                 <a:ea typeface="Verdana" panose="020B0604030504040204" pitchFamily="34" charset="0"/>
                 <a:cs typeface="Verdana" panose="020B0604030504040204" pitchFamily="34" charset="0"/>
               </a:rPr>
-              <a:t>o aleatorio)</a:t>
-            </a:r>
+              <a:t>o </a:t>
+            </a:r>
+            <a:r>
+              <a:rPr lang="es-ES" dirty="0" smtClean="0">
+                <a:solidFill>
+                  <a:srgbClr val="636382"/>
+                </a:solidFill>
+                <a:latin typeface="Gill Sans MT" panose="020B0502020104020203" pitchFamily="34" charset="0"/>
+                <a:ea typeface="Verdana" panose="020B0604030504040204" pitchFamily="34" charset="0"/>
+                <a:cs typeface="Verdana" panose="020B0604030504040204" pitchFamily="34" charset="0"/>
+              </a:rPr>
+              <a:t>aleatorio</a:t>
+            </a:r>
+            <a:endParaRPr lang="es-ES" dirty="0">
+              <a:solidFill>
+                <a:srgbClr val="636382"/>
+              </a:solidFill>
+              <a:latin typeface="Gill Sans MT" panose="020B0502020104020203" pitchFamily="34" charset="0"/>
+              <a:ea typeface="Verdana" panose="020B0604030504040204" pitchFamily="34" charset="0"/>
+              <a:cs typeface="Verdana" panose="020B0604030504040204" pitchFamily="34" charset="0"/>
+            </a:endParaRPr>
           </a:p>
           <a:p>
             <a:pPr lvl="1">

--- a/ppt/Modulo 2_Occupacion2023.pptx
+++ b/ppt/Modulo 2_Occupacion2023.pptx
@@ -292,7 +292,7 @@
               <a:pPr>
                 <a:defRPr/>
               </a:pPr>
-              <a:t>13/03/2023</a:t>
+              <a:t>27/03/2023</a:t>
             </a:fld>
             <a:endParaRPr lang="es-ES"/>
           </a:p>
@@ -5000,7 +5000,7 @@
               <a:pPr>
                 <a:defRPr/>
               </a:pPr>
-              <a:t>13/03/2023</a:t>
+              <a:t>27/03/2023</a:t>
             </a:fld>
             <a:endParaRPr lang="es-AR"/>
           </a:p>
@@ -5180,7 +5180,7 @@
               <a:pPr>
                 <a:defRPr/>
               </a:pPr>
-              <a:t>13/03/2023</a:t>
+              <a:t>27/03/2023</a:t>
             </a:fld>
             <a:endParaRPr lang="es-AR"/>
           </a:p>
@@ -5370,7 +5370,7 @@
               <a:pPr>
                 <a:defRPr/>
               </a:pPr>
-              <a:t>13/03/2023</a:t>
+              <a:t>27/03/2023</a:t>
             </a:fld>
             <a:endParaRPr lang="es-AR"/>
           </a:p>
@@ -5622,7 +5622,7 @@
               <a:pPr>
                 <a:defRPr/>
               </a:pPr>
-              <a:t>13/03/2023</a:t>
+              <a:t>27/03/2023</a:t>
             </a:fld>
             <a:endParaRPr lang="es-AR"/>
           </a:p>
@@ -5802,7 +5802,7 @@
               <a:pPr>
                 <a:defRPr/>
               </a:pPr>
-              <a:t>13/03/2023</a:t>
+              <a:t>27/03/2023</a:t>
             </a:fld>
             <a:endParaRPr lang="es-AR"/>
           </a:p>
@@ -6058,7 +6058,7 @@
               <a:pPr>
                 <a:defRPr/>
               </a:pPr>
-              <a:t>13/03/2023</a:t>
+              <a:t>27/03/2023</a:t>
             </a:fld>
             <a:endParaRPr lang="es-AR"/>
           </a:p>
@@ -6356,7 +6356,7 @@
               <a:pPr>
                 <a:defRPr/>
               </a:pPr>
-              <a:t>13/03/2023</a:t>
+              <a:t>27/03/2023</a:t>
             </a:fld>
             <a:endParaRPr lang="es-AR"/>
           </a:p>
@@ -6788,7 +6788,7 @@
               <a:pPr>
                 <a:defRPr/>
               </a:pPr>
-              <a:t>13/03/2023</a:t>
+              <a:t>27/03/2023</a:t>
             </a:fld>
             <a:endParaRPr lang="es-AR"/>
           </a:p>
@@ -6916,7 +6916,7 @@
               <a:pPr>
                 <a:defRPr/>
               </a:pPr>
-              <a:t>13/03/2023</a:t>
+              <a:t>27/03/2023</a:t>
             </a:fld>
             <a:endParaRPr lang="es-AR"/>
           </a:p>
@@ -7021,7 +7021,7 @@
               <a:pPr>
                 <a:defRPr/>
               </a:pPr>
-              <a:t>13/03/2023</a:t>
+              <a:t>27/03/2023</a:t>
             </a:fld>
             <a:endParaRPr lang="es-AR"/>
           </a:p>
@@ -7308,7 +7308,7 @@
               <a:pPr>
                 <a:defRPr/>
               </a:pPr>
-              <a:t>13/03/2023</a:t>
+              <a:t>27/03/2023</a:t>
             </a:fld>
             <a:endParaRPr lang="es-AR"/>
           </a:p>
@@ -7488,7 +7488,7 @@
               <a:pPr>
                 <a:defRPr/>
               </a:pPr>
-              <a:t>13/03/2023</a:t>
+              <a:t>27/03/2023</a:t>
             </a:fld>
             <a:endParaRPr lang="es-AR"/>
           </a:p>
@@ -7755,7 +7755,7 @@
               <a:pPr>
                 <a:defRPr/>
               </a:pPr>
-              <a:t>13/03/2023</a:t>
+              <a:t>27/03/2023</a:t>
             </a:fld>
             <a:endParaRPr lang="es-AR"/>
           </a:p>
@@ -7935,7 +7935,7 @@
               <a:pPr>
                 <a:defRPr/>
               </a:pPr>
-              <a:t>13/03/2023</a:t>
+              <a:t>27/03/2023</a:t>
             </a:fld>
             <a:endParaRPr lang="es-AR"/>
           </a:p>
@@ -8125,7 +8125,7 @@
               <a:pPr>
                 <a:defRPr/>
               </a:pPr>
-              <a:t>13/03/2023</a:t>
+              <a:t>27/03/2023</a:t>
             </a:fld>
             <a:endParaRPr lang="es-AR"/>
           </a:p>
@@ -8422,7 +8422,7 @@
               <a:pPr>
                 <a:defRPr/>
               </a:pPr>
-              <a:t>13/03/2023</a:t>
+              <a:t>27/03/2023</a:t>
             </a:fld>
             <a:endParaRPr lang="es-AR"/>
           </a:p>
@@ -8640,7 +8640,7 @@
               <a:pPr>
                 <a:defRPr/>
               </a:pPr>
-              <a:t>13/03/2023</a:t>
+              <a:t>27/03/2023</a:t>
             </a:fld>
             <a:endParaRPr lang="es-AR"/>
           </a:p>
@@ -8993,7 +8993,7 @@
               <a:pPr>
                 <a:defRPr/>
               </a:pPr>
-              <a:t>13/03/2023</a:t>
+              <a:t>27/03/2023</a:t>
             </a:fld>
             <a:endParaRPr lang="es-AR"/>
           </a:p>
@@ -9278,7 +9278,7 @@
               <a:pPr>
                 <a:defRPr/>
               </a:pPr>
-              <a:t>13/03/2023</a:t>
+              <a:t>27/03/2023</a:t>
             </a:fld>
             <a:endParaRPr lang="es-AR"/>
           </a:p>
@@ -9667,7 +9667,7 @@
               <a:pPr>
                 <a:defRPr/>
               </a:pPr>
-              <a:t>13/03/2023</a:t>
+              <a:t>27/03/2023</a:t>
             </a:fld>
             <a:endParaRPr lang="es-AR"/>
           </a:p>
@@ -9795,7 +9795,7 @@
               <a:pPr>
                 <a:defRPr/>
               </a:pPr>
-              <a:t>13/03/2023</a:t>
+              <a:t>27/03/2023</a:t>
             </a:fld>
             <a:endParaRPr lang="es-AR"/>
           </a:p>
@@ -9976,7 +9976,7 @@
               <a:pPr>
                 <a:defRPr/>
               </a:pPr>
-              <a:t>13/03/2023</a:t>
+              <a:t>27/03/2023</a:t>
             </a:fld>
             <a:endParaRPr lang="es-AR"/>
           </a:p>
@@ -10036,6 +10036,58 @@
           </a:p>
         </p:txBody>
       </p:sp>
+      <p:sp>
+        <p:nvSpPr>
+          <p:cNvPr id="2" name="TextBox 1"/>
+          <p:cNvSpPr txBox="1"/>
+          <p:nvPr userDrawn="1"/>
+        </p:nvSpPr>
+        <p:spPr>
+          <a:xfrm rot="19736450">
+            <a:off x="2176310" y="2995454"/>
+            <a:ext cx="5167505" cy="523220"/>
+          </a:xfrm>
+          <a:prstGeom prst="rect">
+            <a:avLst/>
+          </a:prstGeom>
+          <a:noFill/>
+        </p:spPr>
+        <p:txBody>
+          <a:bodyPr wrap="none" rtlCol="0">
+            <a:spAutoFit/>
+          </a:bodyPr>
+          <a:lstStyle/>
+          <a:p>
+            <a:r>
+              <a:rPr lang="es-AR" sz="2800" dirty="0" smtClean="0">
+                <a:solidFill>
+                  <a:schemeClr val="bg1">
+                    <a:lumMod val="85000"/>
+                  </a:schemeClr>
+                </a:solidFill>
+              </a:rPr>
+              <a:t>Goijman,</a:t>
+            </a:r>
+            <a:r>
+              <a:rPr lang="es-AR" sz="2800" baseline="0" dirty="0" smtClean="0">
+                <a:solidFill>
+                  <a:schemeClr val="bg1">
+                    <a:lumMod val="85000"/>
+                  </a:schemeClr>
+                </a:solidFill>
+              </a:rPr>
+              <a:t> Serafini, Contreras, 2023</a:t>
+            </a:r>
+            <a:endParaRPr lang="es-ES" sz="2800" dirty="0">
+              <a:solidFill>
+                <a:schemeClr val="bg1">
+                  <a:lumMod val="85000"/>
+                </a:schemeClr>
+              </a:solidFill>
+            </a:endParaRPr>
+          </a:p>
+        </p:txBody>
+      </p:sp>
     </p:spTree>
     <p:extLst>
       <p:ext uri="{BB962C8B-B14F-4D97-AF65-F5344CB8AC3E}">
@@ -10046,6 +10098,13 @@
   <p:clrMapOvr>
     <a:masterClrMapping/>
   </p:clrMapOvr>
+  <p:timing>
+    <p:tnLst>
+      <p:par>
+        <p:cTn id="1" dur="indefinite" restart="never" nodeType="tmRoot"/>
+      </p:par>
+    </p:tnLst>
+  </p:timing>
 </p:sldLayout>
 </file>
 
@@ -10240,7 +10299,7 @@
               <a:pPr>
                 <a:defRPr/>
               </a:pPr>
-              <a:t>13/03/2023</a:t>
+              <a:t>27/03/2023</a:t>
             </a:fld>
             <a:endParaRPr lang="es-AR"/>
           </a:p>
@@ -10596,7 +10655,7 @@
               <a:pPr>
                 <a:defRPr/>
               </a:pPr>
-              <a:t>13/03/2023</a:t>
+              <a:t>27/03/2023</a:t>
             </a:fld>
             <a:endParaRPr lang="es-AR"/>
           </a:p>
@@ -10983,7 +11042,7 @@
               <a:pPr>
                 <a:defRPr/>
               </a:pPr>
-              <a:t>13/03/2023</a:t>
+              <a:t>27/03/2023</a:t>
             </a:fld>
             <a:endParaRPr lang="es-AR"/>
           </a:p>
@@ -11163,7 +11222,7 @@
               <a:pPr>
                 <a:defRPr/>
               </a:pPr>
-              <a:t>13/03/2023</a:t>
+              <a:t>27/03/2023</a:t>
             </a:fld>
             <a:endParaRPr lang="es-AR"/>
           </a:p>
@@ -11429,7 +11488,7 @@
               <a:pPr>
                 <a:defRPr/>
               </a:pPr>
-              <a:t>13/03/2023</a:t>
+              <a:t>27/03/2023</a:t>
             </a:fld>
             <a:endParaRPr lang="es-AR"/>
           </a:p>
@@ -11727,7 +11786,7 @@
               <a:pPr>
                 <a:defRPr/>
               </a:pPr>
-              <a:t>13/03/2023</a:t>
+              <a:t>27/03/2023</a:t>
             </a:fld>
             <a:endParaRPr lang="es-AR"/>
           </a:p>
@@ -12159,7 +12218,7 @@
               <a:pPr>
                 <a:defRPr/>
               </a:pPr>
-              <a:t>13/03/2023</a:t>
+              <a:t>27/03/2023</a:t>
             </a:fld>
             <a:endParaRPr lang="es-AR"/>
           </a:p>
@@ -12287,7 +12346,7 @@
               <a:pPr>
                 <a:defRPr/>
               </a:pPr>
-              <a:t>13/03/2023</a:t>
+              <a:t>27/03/2023</a:t>
             </a:fld>
             <a:endParaRPr lang="es-AR"/>
           </a:p>
@@ -12392,7 +12451,7 @@
               <a:pPr>
                 <a:defRPr/>
               </a:pPr>
-              <a:t>13/03/2023</a:t>
+              <a:t>27/03/2023</a:t>
             </a:fld>
             <a:endParaRPr lang="es-AR"/>
           </a:p>
@@ -12679,7 +12738,7 @@
               <a:pPr>
                 <a:defRPr/>
               </a:pPr>
-              <a:t>13/03/2023</a:t>
+              <a:t>27/03/2023</a:t>
             </a:fld>
             <a:endParaRPr lang="es-AR"/>
           </a:p>
@@ -12946,7 +13005,7 @@
               <a:pPr>
                 <a:defRPr/>
               </a:pPr>
-              <a:t>13/03/2023</a:t>
+              <a:t>27/03/2023</a:t>
             </a:fld>
             <a:endParaRPr lang="es-AR"/>
           </a:p>
@@ -13169,7 +13228,7 @@
               <a:pPr>
                 <a:defRPr/>
               </a:pPr>
-              <a:t>13/03/2023</a:t>
+              <a:t>27/03/2023</a:t>
             </a:fld>
             <a:endParaRPr lang="es-AR"/>
           </a:p>
@@ -13689,7 +13748,7 @@
               <a:pPr>
                 <a:defRPr/>
               </a:pPr>
-              <a:t>13/03/2023</a:t>
+              <a:t>27/03/2023</a:t>
             </a:fld>
             <a:endParaRPr lang="es-AR"/>
           </a:p>
@@ -14283,7 +14342,7 @@
               <a:pPr>
                 <a:defRPr/>
               </a:pPr>
-              <a:t>13/03/2023</a:t>
+              <a:t>27/03/2023</a:t>
             </a:fld>
             <a:endParaRPr lang="es-AR"/>
           </a:p>
@@ -16219,18 +16278,7 @@
                 <a:ea typeface="Verdana" panose="020B0604030504040204" pitchFamily="34" charset="0"/>
                 <a:cs typeface="Verdana" panose="020B0604030504040204" pitchFamily="34" charset="0"/>
               </a:rPr>
-              <a:t>Dimensiones infinitas vs. Muestras </a:t>
-            </a:r>
-            <a:r>
-              <a:rPr lang="es-ES" sz="2400" dirty="0" smtClean="0">
-                <a:solidFill>
-                  <a:srgbClr val="636382"/>
-                </a:solidFill>
-                <a:latin typeface="Gill Sans MT" panose="020B0502020104020203" pitchFamily="34" charset="0"/>
-                <a:ea typeface="Verdana" panose="020B0604030504040204" pitchFamily="34" charset="0"/>
-                <a:cs typeface="Verdana" panose="020B0604030504040204" pitchFamily="34" charset="0"/>
-              </a:rPr>
-              <a:t>finitas</a:t>
+              <a:t>Dimensiones infinitas vs. Muestras finitas</a:t>
             </a:r>
           </a:p>
           <a:p>
@@ -20680,11 +20728,11 @@
   <p:clrMapOvr>
     <a:masterClrMapping/>
   </p:clrMapOvr>
-  <mc:AlternateContent xmlns:mc="http://schemas.openxmlformats.org/markup-compatibility/2006">
-    <mc:Choice xmlns:p14="http://schemas.microsoft.com/office/powerpoint/2010/main" Requires="p14">
+  <mc:AlternateContent xmlns:mc="http://schemas.openxmlformats.org/markup-compatibility/2006" xmlns:p14="http://schemas.microsoft.com/office/powerpoint/2010/main">
+    <mc:Choice Requires="p14">
       <p:transition spd="slow" p14:dur="2000"/>
     </mc:Choice>
-    <mc:Fallback>
+    <mc:Fallback xmlns="">
       <p:transition spd="slow"/>
     </mc:Fallback>
   </mc:AlternateContent>
@@ -22872,18 +22920,7 @@
                 <a:ea typeface="Verdana" panose="020B0604030504040204" pitchFamily="34" charset="0"/>
                 <a:cs typeface="Verdana" panose="020B0604030504040204" pitchFamily="34" charset="0"/>
               </a:rPr>
-              <a:t>puede </a:t>
-            </a:r>
-            <a:r>
-              <a:rPr lang="es-ES" sz="2000" dirty="0">
-                <a:solidFill>
-                  <a:srgbClr val="636382"/>
-                </a:solidFill>
-                <a:latin typeface="Verdana" panose="020B0604030504040204" pitchFamily="34" charset="0"/>
-                <a:ea typeface="Verdana" panose="020B0604030504040204" pitchFamily="34" charset="0"/>
-                <a:cs typeface="Verdana" panose="020B0604030504040204" pitchFamily="34" charset="0"/>
-              </a:rPr>
-              <a:t>tomar un número infinito de valores posibles. </a:t>
+              <a:t>puede tomar un número infinito de valores posibles. </a:t>
             </a:r>
           </a:p>
         </p:txBody>
@@ -35634,16 +35671,7 @@
                 </a:solidFill>
                 <a:latin typeface="Gill Sans MT" panose="020B0502020104020203" pitchFamily="34" charset="0"/>
               </a:rPr>
-              <a:t> </a:t>
-            </a:r>
-            <a:r>
-              <a:rPr lang="en-US" sz="2800" dirty="0" smtClean="0">
-                <a:solidFill>
-                  <a:srgbClr val="636382"/>
-                </a:solidFill>
-                <a:latin typeface="Gill Sans MT" panose="020B0502020104020203" pitchFamily="34" charset="0"/>
-              </a:rPr>
-              <a:t>son </a:t>
+              <a:t> son </a:t>
             </a:r>
             <a:r>
               <a:rPr lang="en-US" sz="2800" dirty="0" err="1" smtClean="0">
@@ -36486,16 +36514,7 @@
                 </a:solidFill>
                 <a:latin typeface="Gill Sans MT" panose="020B0502020104020203" pitchFamily="34" charset="0"/>
               </a:rPr>
-              <a:t>“</a:t>
-            </a:r>
-            <a:r>
-              <a:rPr lang="es-ES" sz="2800" dirty="0" smtClean="0">
-                <a:solidFill>
-                  <a:srgbClr val="636382"/>
-                </a:solidFill>
-                <a:latin typeface="Gill Sans MT" panose="020B0502020104020203" pitchFamily="34" charset="0"/>
-              </a:rPr>
-              <a:t>Presencia/ausencia” </a:t>
+              <a:t>“Presencia/ausencia” </a:t>
             </a:r>
             <a:r>
               <a:rPr lang="es-ES" sz="2800" i="1" dirty="0" smtClean="0">
@@ -38550,14 +38569,6 @@
               </a:rPr>
               <a:t>varianza del estimador </a:t>
             </a:r>
-            <a:endParaRPr lang="es-ES" sz="2800" b="1" dirty="0" smtClean="0">
-              <a:solidFill>
-                <a:srgbClr val="636382"/>
-              </a:solidFill>
-              <a:latin typeface="Gill Sans MT" panose="020B0502020104020203" pitchFamily="34" charset="0"/>
-              <a:ea typeface="Verdana" panose="020B0604030504040204" pitchFamily="34" charset="0"/>
-              <a:cs typeface="Verdana" panose="020B0604030504040204" pitchFamily="34" charset="0"/>
-            </a:endParaRPr>
           </a:p>
           <a:p>
             <a:pPr marL="0" indent="0">
@@ -38590,18 +38601,7 @@
                 <a:ea typeface="Verdana" panose="020B0604030504040204" pitchFamily="34" charset="0"/>
                 <a:cs typeface="Verdana" panose="020B0604030504040204" pitchFamily="34" charset="0"/>
               </a:rPr>
-              <a:t>(-</a:t>
-            </a:r>
-            <a:r>
-              <a:rPr lang="es-ES" sz="2800" dirty="0" smtClean="0">
-                <a:solidFill>
-                  <a:srgbClr val="636382"/>
-                </a:solidFill>
-                <a:latin typeface="Gill Sans MT" panose="020B0502020104020203" pitchFamily="34" charset="0"/>
-                <a:ea typeface="Verdana" panose="020B0604030504040204" pitchFamily="34" charset="0"/>
-                <a:cs typeface="Verdana" panose="020B0604030504040204" pitchFamily="34" charset="0"/>
-              </a:rPr>
-              <a:t>parámetros = parsimonia) por medio de una optimización. </a:t>
+              <a:t>(-parámetros = parsimonia) por medio de una optimización. </a:t>
             </a:r>
           </a:p>
           <a:p>
@@ -40815,7 +40815,7 @@
           <a:graphicData uri="http://schemas.openxmlformats.org/presentationml/2006/ole">
             <mc:AlternateContent xmlns:mc="http://schemas.openxmlformats.org/markup-compatibility/2006">
               <mc:Choice xmlns:v="urn:schemas-microsoft-com:vml" Requires="v">
-                <p:oleObj spid="_x0000_s5224" name="Ecuación" r:id="rId4" imgW="4635360" imgH="457200" progId="Equation.3">
+                <p:oleObj spid="_x0000_s5228" name="Ecuación" r:id="rId4" imgW="4635360" imgH="457200" progId="Equation.3">
                   <p:embed/>
                 </p:oleObj>
               </mc:Choice>
@@ -40885,7 +40885,7 @@
           <a:graphicData uri="http://schemas.openxmlformats.org/presentationml/2006/ole">
             <mc:AlternateContent xmlns:mc="http://schemas.openxmlformats.org/markup-compatibility/2006">
               <mc:Choice xmlns:v="urn:schemas-microsoft-com:vml" Requires="v">
-                <p:oleObj spid="_x0000_s5225" name="Equation" r:id="rId6" imgW="1739880" imgH="457200" progId="Equation.3">
+                <p:oleObj spid="_x0000_s5229" name="Equation" r:id="rId6" imgW="1739880" imgH="457200" progId="Equation.3">
                   <p:embed/>
                 </p:oleObj>
               </mc:Choice>
@@ -41418,7 +41418,7 @@
           <a:graphicData uri="http://schemas.openxmlformats.org/presentationml/2006/ole">
             <mc:AlternateContent xmlns:mc="http://schemas.openxmlformats.org/markup-compatibility/2006">
               <mc:Choice xmlns:v="urn:schemas-microsoft-com:vml" Requires="v">
-                <p:oleObj spid="_x0000_s7204" name="Equation" r:id="rId4" imgW="1739880" imgH="457200" progId="Equation.3">
+                <p:oleObj spid="_x0000_s7206" name="Equation" r:id="rId4" imgW="1739880" imgH="457200" progId="Equation.3">
                   <p:embed/>
                 </p:oleObj>
               </mc:Choice>
@@ -41936,7 +41936,7 @@
           <a:graphicData uri="http://schemas.openxmlformats.org/presentationml/2006/ole">
             <mc:AlternateContent xmlns:mc="http://schemas.openxmlformats.org/markup-compatibility/2006">
               <mc:Choice xmlns:v="urn:schemas-microsoft-com:vml" Requires="v">
-                <p:oleObj spid="_x0000_s8220" name="Equation" r:id="rId4" imgW="1739880" imgH="457200" progId="Equation.3">
+                <p:oleObj spid="_x0000_s8222" name="Equation" r:id="rId4" imgW="1739880" imgH="457200" progId="Equation.3">
                   <p:embed/>
                 </p:oleObj>
               </mc:Choice>
@@ -42557,7 +42557,7 @@
           <a:graphicData uri="http://schemas.openxmlformats.org/presentationml/2006/ole">
             <mc:AlternateContent xmlns:mc="http://schemas.openxmlformats.org/markup-compatibility/2006">
               <mc:Choice xmlns:v="urn:schemas-microsoft-com:vml" Requires="v">
-                <p:oleObj spid="_x0000_s6341" name="Equation" r:id="rId4" imgW="1688760" imgH="457200" progId="Equation.3">
+                <p:oleObj spid="_x0000_s6349" name="Equation" r:id="rId4" imgW="1688760" imgH="457200" progId="Equation.3">
                   <p:embed/>
                 </p:oleObj>
               </mc:Choice>
@@ -42624,7 +42624,7 @@
           <a:graphicData uri="http://schemas.openxmlformats.org/presentationml/2006/ole">
             <mc:AlternateContent xmlns:mc="http://schemas.openxmlformats.org/markup-compatibility/2006">
               <mc:Choice xmlns:v="urn:schemas-microsoft-com:vml" Requires="v">
-                <p:oleObj spid="_x0000_s6342" name="Equation" r:id="rId6" imgW="2539800" imgH="457200" progId="Equation.3">
+                <p:oleObj spid="_x0000_s6350" name="Equation" r:id="rId6" imgW="2539800" imgH="457200" progId="Equation.3">
                   <p:embed/>
                 </p:oleObj>
               </mc:Choice>
@@ -42707,7 +42707,7 @@
           <a:graphicData uri="http://schemas.openxmlformats.org/presentationml/2006/ole">
             <mc:AlternateContent xmlns:mc="http://schemas.openxmlformats.org/markup-compatibility/2006">
               <mc:Choice xmlns:v="urn:schemas-microsoft-com:vml" Requires="v">
-                <p:oleObj spid="_x0000_s6343" name="Equation" r:id="rId8" imgW="1511280" imgH="419040" progId="Equation.3">
+                <p:oleObj spid="_x0000_s6351" name="Equation" r:id="rId8" imgW="1511280" imgH="419040" progId="Equation.3">
                   <p:embed/>
                 </p:oleObj>
               </mc:Choice>
@@ -42777,7 +42777,7 @@
           <a:graphicData uri="http://schemas.openxmlformats.org/presentationml/2006/ole">
             <mc:AlternateContent xmlns:mc="http://schemas.openxmlformats.org/markup-compatibility/2006">
               <mc:Choice xmlns:v="urn:schemas-microsoft-com:vml" Requires="v">
-                <p:oleObj spid="_x0000_s6344" name="Equation" r:id="rId10" imgW="1167893" imgH="203112" progId="Equation.3">
+                <p:oleObj spid="_x0000_s6352" name="Equation" r:id="rId10" imgW="1167893" imgH="203112" progId="Equation.3">
                   <p:embed/>
                 </p:oleObj>
               </mc:Choice>
